--- a/HMM mas.pptx
+++ b/HMM mas.pptx
@@ -5,7 +5,7 @@
     <p:sldMasterId id="2147483648" r:id="rId1"/>
   </p:sldMasterIdLst>
   <p:notesMasterIdLst>
-    <p:notesMasterId r:id="rId8"/>
+    <p:notesMasterId r:id="rId14"/>
   </p:notesMasterIdLst>
   <p:sldIdLst>
     <p:sldId id="256" r:id="rId2"/>
@@ -14,6 +14,12 @@
     <p:sldId id="259" r:id="rId5"/>
     <p:sldId id="260" r:id="rId6"/>
     <p:sldId id="261" r:id="rId7"/>
+    <p:sldId id="262" r:id="rId8"/>
+    <p:sldId id="263" r:id="rId9"/>
+    <p:sldId id="264" r:id="rId10"/>
+    <p:sldId id="265" r:id="rId11"/>
+    <p:sldId id="266" r:id="rId12"/>
+    <p:sldId id="267" r:id="rId13"/>
   </p:sldIdLst>
   <p:sldSz cx="12192000" cy="6858000"/>
   <p:notesSz cx="6858000" cy="9144000"/>
@@ -112,6 +118,11 @@
       </a:defRPr>
     </a:lvl9pPr>
   </p:defaultTextStyle>
+  <p:extLst>
+    <p:ext uri="{EFAFB233-063F-42B5-8137-9DF3F51BA10A}">
+      <p15:sldGuideLst xmlns:p15="http://schemas.microsoft.com/office/powerpoint/2012/main"/>
+    </p:ext>
+  </p:extLst>
 </p:presentation>
 </file>
 
@@ -607,7 +618,7 @@
           <a:noFill/>
           <a:extLst>
             <a:ext uri="{909E8E84-426E-40dd-AFC4-6F175D3DCCD1}">
-              <a14:hiddenFill xmlns:a14="http://schemas.microsoft.com/office/drawing/2010/main" xmlns="">
+              <a14:hiddenFill xmlns="" xmlns:a14="http://schemas.microsoft.com/office/drawing/2010/main">
                 <a:solidFill>
                   <a:srgbClr val="FFFFFF"/>
                 </a:solidFill>
@@ -666,7 +677,7 @@
             </a:ln>
             <a:extLst>
               <a:ext uri="{91240B29-F687-4f45-9708-019B960494DF}">
-                <a14:hiddenLine xmlns:a14="http://schemas.microsoft.com/office/drawing/2010/main" xmlns="" w="9525">
+                <a14:hiddenLine xmlns="" xmlns:a14="http://schemas.microsoft.com/office/drawing/2010/main" w="9525">
                   <a:solidFill>
                     <a:srgbClr val="000000"/>
                   </a:solidFill>
@@ -756,7 +767,7 @@
             </a:ln>
             <a:extLst>
               <a:ext uri="{91240B29-F687-4f45-9708-019B960494DF}">
-                <a14:hiddenLine xmlns:a14="http://schemas.microsoft.com/office/drawing/2010/main" xmlns="" w="9525">
+                <a14:hiddenLine xmlns="" xmlns:a14="http://schemas.microsoft.com/office/drawing/2010/main" w="9525">
                   <a:solidFill>
                     <a:srgbClr val="000000"/>
                   </a:solidFill>
@@ -846,7 +857,7 @@
             </a:ln>
             <a:extLst>
               <a:ext uri="{91240B29-F687-4f45-9708-019B960494DF}">
-                <a14:hiddenLine xmlns:a14="http://schemas.microsoft.com/office/drawing/2010/main" xmlns="" w="9525">
+                <a14:hiddenLine xmlns="" xmlns:a14="http://schemas.microsoft.com/office/drawing/2010/main" w="9525">
                   <a:solidFill>
                     <a:srgbClr val="000000"/>
                   </a:solidFill>
@@ -880,7 +891,7 @@
             </a:ln>
             <a:extLst>
               <a:ext uri="{91240B29-F687-4f45-9708-019B960494DF}">
-                <a14:hiddenLine xmlns:a14="http://schemas.microsoft.com/office/drawing/2010/main" xmlns="" w="9525">
+                <a14:hiddenLine xmlns="" xmlns:a14="http://schemas.microsoft.com/office/drawing/2010/main" w="9525">
                   <a:solidFill>
                     <a:srgbClr val="000000"/>
                   </a:solidFill>
@@ -970,7 +981,7 @@
             </a:ln>
             <a:extLst>
               <a:ext uri="{91240B29-F687-4f45-9708-019B960494DF}">
-                <a14:hiddenLine xmlns:a14="http://schemas.microsoft.com/office/drawing/2010/main" xmlns="" w="9525">
+                <a14:hiddenLine xmlns="" xmlns:a14="http://schemas.microsoft.com/office/drawing/2010/main" w="9525">
                   <a:solidFill>
                     <a:srgbClr val="000000"/>
                   </a:solidFill>
@@ -1032,7 +1043,7 @@
             </a:ln>
             <a:extLst>
               <a:ext uri="{91240B29-F687-4f45-9708-019B960494DF}">
-                <a14:hiddenLine xmlns:a14="http://schemas.microsoft.com/office/drawing/2010/main" xmlns="" w="9525">
+                <a14:hiddenLine xmlns="" xmlns:a14="http://schemas.microsoft.com/office/drawing/2010/main" w="9525">
                   <a:solidFill>
                     <a:srgbClr val="000000"/>
                   </a:solidFill>
@@ -1094,7 +1105,7 @@
             </a:ln>
             <a:extLst>
               <a:ext uri="{91240B29-F687-4f45-9708-019B960494DF}">
-                <a14:hiddenLine xmlns:a14="http://schemas.microsoft.com/office/drawing/2010/main" xmlns="" w="9525">
+                <a14:hiddenLine xmlns="" xmlns:a14="http://schemas.microsoft.com/office/drawing/2010/main" w="9525">
                   <a:solidFill>
                     <a:srgbClr val="000000"/>
                   </a:solidFill>
@@ -1184,7 +1195,7 @@
             </a:ln>
             <a:extLst>
               <a:ext uri="{91240B29-F687-4f45-9708-019B960494DF}">
-                <a14:hiddenLine xmlns:a14="http://schemas.microsoft.com/office/drawing/2010/main" xmlns="" w="9525">
+                <a14:hiddenLine xmlns="" xmlns:a14="http://schemas.microsoft.com/office/drawing/2010/main" w="9525">
                   <a:solidFill>
                     <a:srgbClr val="000000"/>
                   </a:solidFill>
@@ -1246,7 +1257,7 @@
             </a:ln>
             <a:extLst>
               <a:ext uri="{91240B29-F687-4f45-9708-019B960494DF}">
-                <a14:hiddenLine xmlns:a14="http://schemas.microsoft.com/office/drawing/2010/main" xmlns="" w="9525">
+                <a14:hiddenLine xmlns="" xmlns:a14="http://schemas.microsoft.com/office/drawing/2010/main" w="9525">
                   <a:solidFill>
                     <a:srgbClr val="000000"/>
                   </a:solidFill>
@@ -1308,7 +1319,7 @@
             </a:ln>
             <a:extLst>
               <a:ext uri="{91240B29-F687-4f45-9708-019B960494DF}">
-                <a14:hiddenLine xmlns:a14="http://schemas.microsoft.com/office/drawing/2010/main" xmlns="" w="9525">
+                <a14:hiddenLine xmlns="" xmlns:a14="http://schemas.microsoft.com/office/drawing/2010/main" w="9525">
                   <a:solidFill>
                     <a:srgbClr val="000000"/>
                   </a:solidFill>
@@ -1398,7 +1409,7 @@
             </a:ln>
             <a:extLst>
               <a:ext uri="{91240B29-F687-4f45-9708-019B960494DF}">
-                <a14:hiddenLine xmlns:a14="http://schemas.microsoft.com/office/drawing/2010/main" xmlns="" w="9525">
+                <a14:hiddenLine xmlns="" xmlns:a14="http://schemas.microsoft.com/office/drawing/2010/main" w="9525">
                   <a:solidFill>
                     <a:srgbClr val="000000"/>
                   </a:solidFill>
@@ -1488,7 +1499,7 @@
             </a:ln>
             <a:extLst>
               <a:ext uri="{91240B29-F687-4f45-9708-019B960494DF}">
-                <a14:hiddenLine xmlns:a14="http://schemas.microsoft.com/office/drawing/2010/main" xmlns="" w="9525">
+                <a14:hiddenLine xmlns="" xmlns:a14="http://schemas.microsoft.com/office/drawing/2010/main" w="9525">
                   <a:solidFill>
                     <a:srgbClr val="000000"/>
                   </a:solidFill>
@@ -1550,7 +1561,7 @@
             </a:ln>
             <a:extLst>
               <a:ext uri="{91240B29-F687-4f45-9708-019B960494DF}">
-                <a14:hiddenLine xmlns:a14="http://schemas.microsoft.com/office/drawing/2010/main" xmlns="" w="9525">
+                <a14:hiddenLine xmlns="" xmlns:a14="http://schemas.microsoft.com/office/drawing/2010/main" w="9525">
                   <a:solidFill>
                     <a:srgbClr val="000000"/>
                   </a:solidFill>
@@ -1660,7 +1671,7 @@
             </a:ln>
             <a:extLst>
               <a:ext uri="{91240B29-F687-4f45-9708-019B960494DF}">
-                <a14:hiddenLine xmlns:a14="http://schemas.microsoft.com/office/drawing/2010/main" xmlns="" w="9525">
+                <a14:hiddenLine xmlns="" xmlns:a14="http://schemas.microsoft.com/office/drawing/2010/main" w="9525">
                   <a:solidFill>
                     <a:srgbClr val="000000"/>
                   </a:solidFill>
@@ -1722,7 +1733,7 @@
             </a:ln>
             <a:extLst>
               <a:ext uri="{91240B29-F687-4f45-9708-019B960494DF}">
-                <a14:hiddenLine xmlns:a14="http://schemas.microsoft.com/office/drawing/2010/main" xmlns="" w="9525">
+                <a14:hiddenLine xmlns="" xmlns:a14="http://schemas.microsoft.com/office/drawing/2010/main" w="9525">
                   <a:solidFill>
                     <a:srgbClr val="000000"/>
                   </a:solidFill>
@@ -1812,7 +1823,7 @@
             </a:ln>
             <a:extLst>
               <a:ext uri="{91240B29-F687-4f45-9708-019B960494DF}">
-                <a14:hiddenLine xmlns:a14="http://schemas.microsoft.com/office/drawing/2010/main" xmlns="" w="9525">
+                <a14:hiddenLine xmlns="" xmlns:a14="http://schemas.microsoft.com/office/drawing/2010/main" w="9525">
                   <a:solidFill>
                     <a:srgbClr val="000000"/>
                   </a:solidFill>
@@ -1902,7 +1913,7 @@
             </a:ln>
             <a:extLst>
               <a:ext uri="{91240B29-F687-4f45-9708-019B960494DF}">
-                <a14:hiddenLine xmlns:a14="http://schemas.microsoft.com/office/drawing/2010/main" xmlns="" w="9525">
+                <a14:hiddenLine xmlns="" xmlns:a14="http://schemas.microsoft.com/office/drawing/2010/main" w="9525">
                   <a:solidFill>
                     <a:srgbClr val="000000"/>
                   </a:solidFill>
@@ -1964,7 +1975,7 @@
             </a:ln>
             <a:extLst>
               <a:ext uri="{91240B29-F687-4f45-9708-019B960494DF}">
-                <a14:hiddenLine xmlns:a14="http://schemas.microsoft.com/office/drawing/2010/main" xmlns="" w="9525">
+                <a14:hiddenLine xmlns="" xmlns:a14="http://schemas.microsoft.com/office/drawing/2010/main" w="9525">
                   <a:solidFill>
                     <a:srgbClr val="000000"/>
                   </a:solidFill>
@@ -2054,7 +2065,7 @@
             </a:ln>
             <a:extLst>
               <a:ext uri="{91240B29-F687-4f45-9708-019B960494DF}">
-                <a14:hiddenLine xmlns:a14="http://schemas.microsoft.com/office/drawing/2010/main" xmlns="" w="9525">
+                <a14:hiddenLine xmlns="" xmlns:a14="http://schemas.microsoft.com/office/drawing/2010/main" w="9525">
                   <a:solidFill>
                     <a:srgbClr val="000000"/>
                   </a:solidFill>
@@ -2144,7 +2155,7 @@
             </a:ln>
             <a:extLst>
               <a:ext uri="{91240B29-F687-4f45-9708-019B960494DF}">
-                <a14:hiddenLine xmlns:a14="http://schemas.microsoft.com/office/drawing/2010/main" xmlns="" w="9525">
+                <a14:hiddenLine xmlns="" xmlns:a14="http://schemas.microsoft.com/office/drawing/2010/main" w="9525">
                   <a:solidFill>
                     <a:srgbClr val="000000"/>
                   </a:solidFill>
@@ -2200,7 +2211,7 @@
             </a:ln>
             <a:extLst>
               <a:ext uri="{91240B29-F687-4f45-9708-019B960494DF}">
-                <a14:hiddenLine xmlns:a14="http://schemas.microsoft.com/office/drawing/2010/main" xmlns="" w="9525">
+                <a14:hiddenLine xmlns="" xmlns:a14="http://schemas.microsoft.com/office/drawing/2010/main" w="9525">
                   <a:solidFill>
                     <a:srgbClr val="000000"/>
                   </a:solidFill>
@@ -2290,7 +2301,7 @@
             </a:ln>
             <a:extLst>
               <a:ext uri="{91240B29-F687-4f45-9708-019B960494DF}">
-                <a14:hiddenLine xmlns:a14="http://schemas.microsoft.com/office/drawing/2010/main" xmlns="" w="9525">
+                <a14:hiddenLine xmlns="" xmlns:a14="http://schemas.microsoft.com/office/drawing/2010/main" w="9525">
                   <a:solidFill>
                     <a:srgbClr val="000000"/>
                   </a:solidFill>
@@ -2346,7 +2357,7 @@
             </a:ln>
             <a:extLst>
               <a:ext uri="{91240B29-F687-4f45-9708-019B960494DF}">
-                <a14:hiddenLine xmlns:a14="http://schemas.microsoft.com/office/drawing/2010/main" xmlns="" w="9525">
+                <a14:hiddenLine xmlns="" xmlns:a14="http://schemas.microsoft.com/office/drawing/2010/main" w="9525">
                   <a:solidFill>
                     <a:srgbClr val="000000"/>
                   </a:solidFill>
@@ -2436,7 +2447,7 @@
             </a:ln>
             <a:extLst>
               <a:ext uri="{91240B29-F687-4f45-9708-019B960494DF}">
-                <a14:hiddenLine xmlns:a14="http://schemas.microsoft.com/office/drawing/2010/main" xmlns="" w="9525">
+                <a14:hiddenLine xmlns="" xmlns:a14="http://schemas.microsoft.com/office/drawing/2010/main" w="9525">
                   <a:solidFill>
                     <a:srgbClr val="000000"/>
                   </a:solidFill>
@@ -2504,7 +2515,7 @@
             </a:ln>
             <a:extLst>
               <a:ext uri="{91240B29-F687-4f45-9708-019B960494DF}">
-                <a14:hiddenLine xmlns:a14="http://schemas.microsoft.com/office/drawing/2010/main" xmlns="" w="9525">
+                <a14:hiddenLine xmlns="" xmlns:a14="http://schemas.microsoft.com/office/drawing/2010/main" w="9525">
                   <a:solidFill>
                     <a:srgbClr val="000000"/>
                   </a:solidFill>
@@ -2594,7 +2605,7 @@
             </a:ln>
             <a:extLst>
               <a:ext uri="{91240B29-F687-4f45-9708-019B960494DF}">
-                <a14:hiddenLine xmlns:a14="http://schemas.microsoft.com/office/drawing/2010/main" xmlns="" w="9525">
+                <a14:hiddenLine xmlns="" xmlns:a14="http://schemas.microsoft.com/office/drawing/2010/main" w="9525">
                   <a:solidFill>
                     <a:srgbClr val="000000"/>
                   </a:solidFill>
@@ -2662,7 +2673,7 @@
             </a:ln>
             <a:extLst>
               <a:ext uri="{91240B29-F687-4f45-9708-019B960494DF}">
-                <a14:hiddenLine xmlns:a14="http://schemas.microsoft.com/office/drawing/2010/main" xmlns="" w="9525">
+                <a14:hiddenLine xmlns="" xmlns:a14="http://schemas.microsoft.com/office/drawing/2010/main" w="9525">
                   <a:solidFill>
                     <a:srgbClr val="000000"/>
                   </a:solidFill>
@@ -2752,7 +2763,7 @@
             </a:ln>
             <a:extLst>
               <a:ext uri="{91240B29-F687-4f45-9708-019B960494DF}">
-                <a14:hiddenLine xmlns:a14="http://schemas.microsoft.com/office/drawing/2010/main" xmlns="" w="9525">
+                <a14:hiddenLine xmlns="" xmlns:a14="http://schemas.microsoft.com/office/drawing/2010/main" w="9525">
                   <a:solidFill>
                     <a:srgbClr val="000000"/>
                   </a:solidFill>
@@ -2786,7 +2797,7 @@
             </a:ln>
             <a:extLst>
               <a:ext uri="{91240B29-F687-4f45-9708-019B960494DF}">
-                <a14:hiddenLine xmlns:a14="http://schemas.microsoft.com/office/drawing/2010/main" xmlns="" w="9525">
+                <a14:hiddenLine xmlns="" xmlns:a14="http://schemas.microsoft.com/office/drawing/2010/main" w="9525">
                   <a:solidFill>
                     <a:srgbClr val="000000"/>
                   </a:solidFill>
@@ -2876,7 +2887,7 @@
             </a:ln>
             <a:extLst>
               <a:ext uri="{91240B29-F687-4f45-9708-019B960494DF}">
-                <a14:hiddenLine xmlns:a14="http://schemas.microsoft.com/office/drawing/2010/main" xmlns="" w="9525">
+                <a14:hiddenLine xmlns="" xmlns:a14="http://schemas.microsoft.com/office/drawing/2010/main" w="9525">
                   <a:solidFill>
                     <a:srgbClr val="000000"/>
                   </a:solidFill>
@@ -2938,7 +2949,7 @@
             </a:ln>
             <a:extLst>
               <a:ext uri="{91240B29-F687-4f45-9708-019B960494DF}">
-                <a14:hiddenLine xmlns:a14="http://schemas.microsoft.com/office/drawing/2010/main" xmlns="" w="9525">
+                <a14:hiddenLine xmlns="" xmlns:a14="http://schemas.microsoft.com/office/drawing/2010/main" w="9525">
                   <a:solidFill>
                     <a:srgbClr val="000000"/>
                   </a:solidFill>
@@ -3000,7 +3011,7 @@
             </a:ln>
             <a:extLst>
               <a:ext uri="{91240B29-F687-4f45-9708-019B960494DF}">
-                <a14:hiddenLine xmlns:a14="http://schemas.microsoft.com/office/drawing/2010/main" xmlns="" w="9525">
+                <a14:hiddenLine xmlns="" xmlns:a14="http://schemas.microsoft.com/office/drawing/2010/main" w="9525">
                   <a:solidFill>
                     <a:srgbClr val="000000"/>
                   </a:solidFill>
@@ -3090,7 +3101,7 @@
             </a:ln>
             <a:extLst>
               <a:ext uri="{91240B29-F687-4f45-9708-019B960494DF}">
-                <a14:hiddenLine xmlns:a14="http://schemas.microsoft.com/office/drawing/2010/main" xmlns="" w="9525">
+                <a14:hiddenLine xmlns="" xmlns:a14="http://schemas.microsoft.com/office/drawing/2010/main" w="9525">
                   <a:solidFill>
                     <a:srgbClr val="000000"/>
                   </a:solidFill>
@@ -3158,7 +3169,7 @@
             </a:ln>
             <a:extLst>
               <a:ext uri="{91240B29-F687-4f45-9708-019B960494DF}">
-                <a14:hiddenLine xmlns:a14="http://schemas.microsoft.com/office/drawing/2010/main" xmlns="" w="9525">
+                <a14:hiddenLine xmlns="" xmlns:a14="http://schemas.microsoft.com/office/drawing/2010/main" w="9525">
                   <a:solidFill>
                     <a:srgbClr val="000000"/>
                   </a:solidFill>
@@ -3220,7 +3231,7 @@
             </a:ln>
             <a:extLst>
               <a:ext uri="{91240B29-F687-4f45-9708-019B960494DF}">
-                <a14:hiddenLine xmlns:a14="http://schemas.microsoft.com/office/drawing/2010/main" xmlns="" w="9525">
+                <a14:hiddenLine xmlns="" xmlns:a14="http://schemas.microsoft.com/office/drawing/2010/main" w="9525">
                   <a:solidFill>
                     <a:srgbClr val="000000"/>
                   </a:solidFill>
@@ -3310,7 +3321,7 @@
             </a:ln>
             <a:extLst>
               <a:ext uri="{91240B29-F687-4f45-9708-019B960494DF}">
-                <a14:hiddenLine xmlns:a14="http://schemas.microsoft.com/office/drawing/2010/main" xmlns="" w="9525">
+                <a14:hiddenLine xmlns="" xmlns:a14="http://schemas.microsoft.com/office/drawing/2010/main" w="9525">
                   <a:solidFill>
                     <a:srgbClr val="000000"/>
                   </a:solidFill>
@@ -3372,7 +3383,7 @@
             </a:ln>
             <a:extLst>
               <a:ext uri="{91240B29-F687-4f45-9708-019B960494DF}">
-                <a14:hiddenLine xmlns:a14="http://schemas.microsoft.com/office/drawing/2010/main" xmlns="" w="9525">
+                <a14:hiddenLine xmlns="" xmlns:a14="http://schemas.microsoft.com/office/drawing/2010/main" w="9525">
                   <a:solidFill>
                     <a:srgbClr val="000000"/>
                   </a:solidFill>
@@ -3462,7 +3473,7 @@
             </a:ln>
             <a:extLst>
               <a:ext uri="{91240B29-F687-4f45-9708-019B960494DF}">
-                <a14:hiddenLine xmlns:a14="http://schemas.microsoft.com/office/drawing/2010/main" xmlns="" w="9525">
+                <a14:hiddenLine xmlns="" xmlns:a14="http://schemas.microsoft.com/office/drawing/2010/main" w="9525">
                   <a:solidFill>
                     <a:srgbClr val="000000"/>
                   </a:solidFill>
@@ -3524,7 +3535,7 @@
             </a:ln>
             <a:extLst>
               <a:ext uri="{91240B29-F687-4f45-9708-019B960494DF}">
-                <a14:hiddenLine xmlns:a14="http://schemas.microsoft.com/office/drawing/2010/main" xmlns="" w="9525">
+                <a14:hiddenLine xmlns="" xmlns:a14="http://schemas.microsoft.com/office/drawing/2010/main" w="9525">
                   <a:solidFill>
                     <a:srgbClr val="000000"/>
                   </a:solidFill>
@@ -3614,7 +3625,7 @@
             </a:ln>
             <a:extLst>
               <a:ext uri="{91240B29-F687-4f45-9708-019B960494DF}">
-                <a14:hiddenLine xmlns:a14="http://schemas.microsoft.com/office/drawing/2010/main" xmlns="" w="9525">
+                <a14:hiddenLine xmlns="" xmlns:a14="http://schemas.microsoft.com/office/drawing/2010/main" w="9525">
                   <a:solidFill>
                     <a:srgbClr val="000000"/>
                   </a:solidFill>
@@ -3648,7 +3659,7 @@
             </a:ln>
             <a:extLst>
               <a:ext uri="{91240B29-F687-4f45-9708-019B960494DF}">
-                <a14:hiddenLine xmlns:a14="http://schemas.microsoft.com/office/drawing/2010/main" xmlns="" w="9525">
+                <a14:hiddenLine xmlns="" xmlns:a14="http://schemas.microsoft.com/office/drawing/2010/main" w="9525">
                   <a:solidFill>
                     <a:srgbClr val="000000"/>
                   </a:solidFill>
@@ -3713,7 +3724,7 @@
             </a:ln>
             <a:extLst>
               <a:ext uri="{91240B29-F687-4f45-9708-019B960494DF}">
-                <a14:hiddenLine xmlns:a14="http://schemas.microsoft.com/office/drawing/2010/main" xmlns="" w="9525">
+                <a14:hiddenLine xmlns="" xmlns:a14="http://schemas.microsoft.com/office/drawing/2010/main" w="9525">
                   <a:solidFill>
                     <a:srgbClr val="000000"/>
                   </a:solidFill>
@@ -3803,7 +3814,7 @@
             </a:ln>
             <a:extLst>
               <a:ext uri="{91240B29-F687-4f45-9708-019B960494DF}">
-                <a14:hiddenLine xmlns:a14="http://schemas.microsoft.com/office/drawing/2010/main" xmlns="" w="9525">
+                <a14:hiddenLine xmlns="" xmlns:a14="http://schemas.microsoft.com/office/drawing/2010/main" w="9525">
                   <a:solidFill>
                     <a:srgbClr val="000000"/>
                   </a:solidFill>
@@ -3865,7 +3876,7 @@
             </a:ln>
             <a:extLst>
               <a:ext uri="{91240B29-F687-4f45-9708-019B960494DF}">
-                <a14:hiddenLine xmlns:a14="http://schemas.microsoft.com/office/drawing/2010/main" xmlns="" w="9525">
+                <a14:hiddenLine xmlns="" xmlns:a14="http://schemas.microsoft.com/office/drawing/2010/main" w="9525">
                   <a:solidFill>
                     <a:srgbClr val="000000"/>
                   </a:solidFill>
@@ -3955,7 +3966,7 @@
             </a:ln>
             <a:extLst>
               <a:ext uri="{91240B29-F687-4f45-9708-019B960494DF}">
-                <a14:hiddenLine xmlns:a14="http://schemas.microsoft.com/office/drawing/2010/main" xmlns="" w="9525">
+                <a14:hiddenLine xmlns="" xmlns:a14="http://schemas.microsoft.com/office/drawing/2010/main" w="9525">
                   <a:solidFill>
                     <a:srgbClr val="000000"/>
                   </a:solidFill>
@@ -4045,7 +4056,7 @@
             </a:ln>
             <a:extLst>
               <a:ext uri="{91240B29-F687-4f45-9708-019B960494DF}">
-                <a14:hiddenLine xmlns:a14="http://schemas.microsoft.com/office/drawing/2010/main" xmlns="" w="9525">
+                <a14:hiddenLine xmlns="" xmlns:a14="http://schemas.microsoft.com/office/drawing/2010/main" w="9525">
                   <a:solidFill>
                     <a:srgbClr val="000000"/>
                   </a:solidFill>
@@ -4110,7 +4121,7 @@
             </a:ln>
             <a:extLst>
               <a:ext uri="{91240B29-F687-4f45-9708-019B960494DF}">
-                <a14:hiddenLine xmlns:a14="http://schemas.microsoft.com/office/drawing/2010/main" xmlns="" w="9525">
+                <a14:hiddenLine xmlns="" xmlns:a14="http://schemas.microsoft.com/office/drawing/2010/main" w="9525">
                   <a:solidFill>
                     <a:srgbClr val="000000"/>
                   </a:solidFill>
@@ -4172,7 +4183,7 @@
             </a:ln>
             <a:extLst>
               <a:ext uri="{91240B29-F687-4f45-9708-019B960494DF}">
-                <a14:hiddenLine xmlns:a14="http://schemas.microsoft.com/office/drawing/2010/main" xmlns="" w="9525">
+                <a14:hiddenLine xmlns="" xmlns:a14="http://schemas.microsoft.com/office/drawing/2010/main" w="9525">
                   <a:solidFill>
                     <a:srgbClr val="000000"/>
                   </a:solidFill>
@@ -4262,7 +4273,7 @@
             </a:ln>
             <a:extLst>
               <a:ext uri="{91240B29-F687-4f45-9708-019B960494DF}">
-                <a14:hiddenLine xmlns:a14="http://schemas.microsoft.com/office/drawing/2010/main" xmlns="" w="9525">
+                <a14:hiddenLine xmlns="" xmlns:a14="http://schemas.microsoft.com/office/drawing/2010/main" w="9525">
                   <a:solidFill>
                     <a:srgbClr val="000000"/>
                   </a:solidFill>
@@ -4352,7 +4363,7 @@
             </a:ln>
             <a:extLst>
               <a:ext uri="{91240B29-F687-4f45-9708-019B960494DF}">
-                <a14:hiddenLine xmlns:a14="http://schemas.microsoft.com/office/drawing/2010/main" xmlns="" w="9525">
+                <a14:hiddenLine xmlns="" xmlns:a14="http://schemas.microsoft.com/office/drawing/2010/main" w="9525">
                   <a:solidFill>
                     <a:srgbClr val="000000"/>
                   </a:solidFill>
@@ -4414,7 +4425,7 @@
             </a:ln>
             <a:extLst>
               <a:ext uri="{91240B29-F687-4f45-9708-019B960494DF}">
-                <a14:hiddenLine xmlns:a14="http://schemas.microsoft.com/office/drawing/2010/main" xmlns="" w="9525">
+                <a14:hiddenLine xmlns="" xmlns:a14="http://schemas.microsoft.com/office/drawing/2010/main" w="9525">
                   <a:solidFill>
                     <a:srgbClr val="000000"/>
                   </a:solidFill>
@@ -4534,7 +4545,7 @@
             </a:ln>
             <a:extLst>
               <a:ext uri="{91240B29-F687-4f45-9708-019B960494DF}">
-                <a14:hiddenLine xmlns:a14="http://schemas.microsoft.com/office/drawing/2010/main" xmlns="" w="9525">
+                <a14:hiddenLine xmlns="" xmlns:a14="http://schemas.microsoft.com/office/drawing/2010/main" w="9525">
                   <a:solidFill>
                     <a:srgbClr val="000000"/>
                   </a:solidFill>
@@ -4602,7 +4613,7 @@
             </a:ln>
             <a:extLst>
               <a:ext uri="{91240B29-F687-4f45-9708-019B960494DF}">
-                <a14:hiddenLine xmlns:a14="http://schemas.microsoft.com/office/drawing/2010/main" xmlns="" w="9525">
+                <a14:hiddenLine xmlns="" xmlns:a14="http://schemas.microsoft.com/office/drawing/2010/main" w="9525">
                   <a:solidFill>
                     <a:srgbClr val="000000"/>
                   </a:solidFill>
@@ -4692,7 +4703,7 @@
             </a:ln>
             <a:extLst>
               <a:ext uri="{91240B29-F687-4f45-9708-019B960494DF}">
-                <a14:hiddenLine xmlns:a14="http://schemas.microsoft.com/office/drawing/2010/main" xmlns="" w="9525">
+                <a14:hiddenLine xmlns="" xmlns:a14="http://schemas.microsoft.com/office/drawing/2010/main" w="9525">
                   <a:solidFill>
                     <a:srgbClr val="000000"/>
                   </a:solidFill>
@@ -9421,7 +9432,7 @@
           <a:noFill/>
           <a:extLst>
             <a:ext uri="{909E8E84-426E-40dd-AFC4-6F175D3DCCD1}">
-              <a14:hiddenFill xmlns:a14="http://schemas.microsoft.com/office/drawing/2010/main" xmlns="">
+              <a14:hiddenFill xmlns="" xmlns:a14="http://schemas.microsoft.com/office/drawing/2010/main">
                 <a:solidFill>
                   <a:srgbClr val="FFFFFF"/>
                 </a:solidFill>
@@ -9495,7 +9506,7 @@
               </a:ln>
               <a:extLst>
                 <a:ext uri="{91240B29-F687-4f45-9708-019B960494DF}">
-                  <a14:hiddenLine xmlns:a14="http://schemas.microsoft.com/office/drawing/2010/main" xmlns="" w="9525">
+                  <a14:hiddenLine xmlns="" xmlns:a14="http://schemas.microsoft.com/office/drawing/2010/main" w="9525">
                     <a:solidFill>
                       <a:srgbClr val="000000"/>
                     </a:solidFill>
@@ -9585,7 +9596,7 @@
               </a:ln>
               <a:extLst>
                 <a:ext uri="{91240B29-F687-4f45-9708-019B960494DF}">
-                  <a14:hiddenLine xmlns:a14="http://schemas.microsoft.com/office/drawing/2010/main" xmlns="" w="9525">
+                  <a14:hiddenLine xmlns="" xmlns:a14="http://schemas.microsoft.com/office/drawing/2010/main" w="9525">
                     <a:solidFill>
                       <a:srgbClr val="000000"/>
                     </a:solidFill>
@@ -9675,7 +9686,7 @@
               </a:ln>
               <a:extLst>
                 <a:ext uri="{91240B29-F687-4f45-9708-019B960494DF}">
-                  <a14:hiddenLine xmlns:a14="http://schemas.microsoft.com/office/drawing/2010/main" xmlns="" w="9525">
+                  <a14:hiddenLine xmlns="" xmlns:a14="http://schemas.microsoft.com/office/drawing/2010/main" w="9525">
                     <a:solidFill>
                       <a:srgbClr val="000000"/>
                     </a:solidFill>
@@ -9737,7 +9748,7 @@
               </a:ln>
               <a:extLst>
                 <a:ext uri="{91240B29-F687-4f45-9708-019B960494DF}">
-                  <a14:hiddenLine xmlns:a14="http://schemas.microsoft.com/office/drawing/2010/main" xmlns="" w="9525">
+                  <a14:hiddenLine xmlns="" xmlns:a14="http://schemas.microsoft.com/office/drawing/2010/main" w="9525">
                     <a:solidFill>
                       <a:srgbClr val="000000"/>
                     </a:solidFill>
@@ -9827,7 +9838,7 @@
               </a:ln>
               <a:extLst>
                 <a:ext uri="{91240B29-F687-4f45-9708-019B960494DF}">
-                  <a14:hiddenLine xmlns:a14="http://schemas.microsoft.com/office/drawing/2010/main" xmlns="" w="9525">
+                  <a14:hiddenLine xmlns="" xmlns:a14="http://schemas.microsoft.com/office/drawing/2010/main" w="9525">
                     <a:solidFill>
                       <a:srgbClr val="000000"/>
                     </a:solidFill>
@@ -9889,7 +9900,7 @@
               </a:ln>
               <a:extLst>
                 <a:ext uri="{91240B29-F687-4f45-9708-019B960494DF}">
-                  <a14:hiddenLine xmlns:a14="http://schemas.microsoft.com/office/drawing/2010/main" xmlns="" w="9525">
+                  <a14:hiddenLine xmlns="" xmlns:a14="http://schemas.microsoft.com/office/drawing/2010/main" w="9525">
                     <a:solidFill>
                       <a:srgbClr val="000000"/>
                     </a:solidFill>
@@ -9951,7 +9962,7 @@
               </a:ln>
               <a:extLst>
                 <a:ext uri="{91240B29-F687-4f45-9708-019B960494DF}">
-                  <a14:hiddenLine xmlns:a14="http://schemas.microsoft.com/office/drawing/2010/main" xmlns="" w="9525">
+                  <a14:hiddenLine xmlns="" xmlns:a14="http://schemas.microsoft.com/office/drawing/2010/main" w="9525">
                     <a:solidFill>
                       <a:srgbClr val="000000"/>
                     </a:solidFill>
@@ -10041,7 +10052,7 @@
               </a:ln>
               <a:extLst>
                 <a:ext uri="{91240B29-F687-4f45-9708-019B960494DF}">
-                  <a14:hiddenLine xmlns:a14="http://schemas.microsoft.com/office/drawing/2010/main" xmlns="" w="9525">
+                  <a14:hiddenLine xmlns="" xmlns:a14="http://schemas.microsoft.com/office/drawing/2010/main" w="9525">
                     <a:solidFill>
                       <a:srgbClr val="000000"/>
                     </a:solidFill>
@@ -10131,7 +10142,7 @@
               </a:ln>
               <a:extLst>
                 <a:ext uri="{91240B29-F687-4f45-9708-019B960494DF}">
-                  <a14:hiddenLine xmlns:a14="http://schemas.microsoft.com/office/drawing/2010/main" xmlns="" w="9525">
+                  <a14:hiddenLine xmlns="" xmlns:a14="http://schemas.microsoft.com/office/drawing/2010/main" w="9525">
                     <a:solidFill>
                       <a:srgbClr val="000000"/>
                     </a:solidFill>
@@ -10193,7 +10204,7 @@
               </a:ln>
               <a:extLst>
                 <a:ext uri="{91240B29-F687-4f45-9708-019B960494DF}">
-                  <a14:hiddenLine xmlns:a14="http://schemas.microsoft.com/office/drawing/2010/main" xmlns="" w="9525">
+                  <a14:hiddenLine xmlns="" xmlns:a14="http://schemas.microsoft.com/office/drawing/2010/main" w="9525">
                     <a:solidFill>
                       <a:srgbClr val="000000"/>
                     </a:solidFill>
@@ -10303,7 +10314,7 @@
               </a:ln>
               <a:extLst>
                 <a:ext uri="{91240B29-F687-4f45-9708-019B960494DF}">
-                  <a14:hiddenLine xmlns:a14="http://schemas.microsoft.com/office/drawing/2010/main" xmlns="" w="9525">
+                  <a14:hiddenLine xmlns="" xmlns:a14="http://schemas.microsoft.com/office/drawing/2010/main" w="9525">
                     <a:solidFill>
                       <a:srgbClr val="000000"/>
                     </a:solidFill>
@@ -10387,7 +10398,7 @@
               </a:ln>
               <a:extLst>
                 <a:ext uri="{91240B29-F687-4f45-9708-019B960494DF}">
-                  <a14:hiddenLine xmlns:a14="http://schemas.microsoft.com/office/drawing/2010/main" xmlns="" w="9525">
+                  <a14:hiddenLine xmlns="" xmlns:a14="http://schemas.microsoft.com/office/drawing/2010/main" w="9525">
                     <a:solidFill>
                       <a:srgbClr val="000000"/>
                     </a:solidFill>
@@ -10449,7 +10460,7 @@
               </a:ln>
               <a:extLst>
                 <a:ext uri="{91240B29-F687-4f45-9708-019B960494DF}">
-                  <a14:hiddenLine xmlns:a14="http://schemas.microsoft.com/office/drawing/2010/main" xmlns="" w="9525">
+                  <a14:hiddenLine xmlns="" xmlns:a14="http://schemas.microsoft.com/office/drawing/2010/main" w="9525">
                     <a:solidFill>
                       <a:srgbClr val="000000"/>
                     </a:solidFill>
@@ -10511,7 +10522,7 @@
               </a:ln>
               <a:extLst>
                 <a:ext uri="{91240B29-F687-4f45-9708-019B960494DF}">
-                  <a14:hiddenLine xmlns:a14="http://schemas.microsoft.com/office/drawing/2010/main" xmlns="" w="9525">
+                  <a14:hiddenLine xmlns="" xmlns:a14="http://schemas.microsoft.com/office/drawing/2010/main" w="9525">
                     <a:solidFill>
                       <a:srgbClr val="000000"/>
                     </a:solidFill>
@@ -10601,7 +10612,7 @@
               </a:ln>
               <a:extLst>
                 <a:ext uri="{91240B29-F687-4f45-9708-019B960494DF}">
-                  <a14:hiddenLine xmlns:a14="http://schemas.microsoft.com/office/drawing/2010/main" xmlns="" w="9525">
+                  <a14:hiddenLine xmlns="" xmlns:a14="http://schemas.microsoft.com/office/drawing/2010/main" w="9525">
                     <a:solidFill>
                       <a:srgbClr val="000000"/>
                     </a:solidFill>
@@ -10635,7 +10646,7 @@
               </a:ln>
               <a:extLst>
                 <a:ext uri="{91240B29-F687-4f45-9708-019B960494DF}">
-                  <a14:hiddenLine xmlns:a14="http://schemas.microsoft.com/office/drawing/2010/main" xmlns="" w="9525">
+                  <a14:hiddenLine xmlns="" xmlns:a14="http://schemas.microsoft.com/office/drawing/2010/main" w="9525">
                     <a:solidFill>
                       <a:srgbClr val="000000"/>
                     </a:solidFill>
@@ -10700,7 +10711,7 @@
               </a:ln>
               <a:extLst>
                 <a:ext uri="{91240B29-F687-4f45-9708-019B960494DF}">
-                  <a14:hiddenLine xmlns:a14="http://schemas.microsoft.com/office/drawing/2010/main" xmlns="" w="9525">
+                  <a14:hiddenLine xmlns="" xmlns:a14="http://schemas.microsoft.com/office/drawing/2010/main" w="9525">
                     <a:solidFill>
                       <a:srgbClr val="000000"/>
                     </a:solidFill>
@@ -10790,7 +10801,7 @@
               </a:ln>
               <a:extLst>
                 <a:ext uri="{91240B29-F687-4f45-9708-019B960494DF}">
-                  <a14:hiddenLine xmlns:a14="http://schemas.microsoft.com/office/drawing/2010/main" xmlns="" w="9525">
+                  <a14:hiddenLine xmlns="" xmlns:a14="http://schemas.microsoft.com/office/drawing/2010/main" w="9525">
                     <a:solidFill>
                       <a:srgbClr val="000000"/>
                     </a:solidFill>
@@ -10852,7 +10863,7 @@
               </a:ln>
               <a:extLst>
                 <a:ext uri="{91240B29-F687-4f45-9708-019B960494DF}">
-                  <a14:hiddenLine xmlns:a14="http://schemas.microsoft.com/office/drawing/2010/main" xmlns="" w="9525">
+                  <a14:hiddenLine xmlns="" xmlns:a14="http://schemas.microsoft.com/office/drawing/2010/main" w="9525">
                     <a:solidFill>
                       <a:srgbClr val="000000"/>
                     </a:solidFill>
@@ -10942,7 +10953,7 @@
               </a:ln>
               <a:extLst>
                 <a:ext uri="{91240B29-F687-4f45-9708-019B960494DF}">
-                  <a14:hiddenLine xmlns:a14="http://schemas.microsoft.com/office/drawing/2010/main" xmlns="" w="9525">
+                  <a14:hiddenLine xmlns="" xmlns:a14="http://schemas.microsoft.com/office/drawing/2010/main" w="9525">
                     <a:solidFill>
                       <a:srgbClr val="000000"/>
                     </a:solidFill>
@@ -11007,7 +11018,7 @@
               </a:ln>
               <a:extLst>
                 <a:ext uri="{91240B29-F687-4f45-9708-019B960494DF}">
-                  <a14:hiddenLine xmlns:a14="http://schemas.microsoft.com/office/drawing/2010/main" xmlns="" w="9525">
+                  <a14:hiddenLine xmlns="" xmlns:a14="http://schemas.microsoft.com/office/drawing/2010/main" w="9525">
                     <a:solidFill>
                       <a:srgbClr val="000000"/>
                     </a:solidFill>
@@ -11069,7 +11080,7 @@
               </a:ln>
               <a:extLst>
                 <a:ext uri="{91240B29-F687-4f45-9708-019B960494DF}">
-                  <a14:hiddenLine xmlns:a14="http://schemas.microsoft.com/office/drawing/2010/main" xmlns="" w="9525">
+                  <a14:hiddenLine xmlns="" xmlns:a14="http://schemas.microsoft.com/office/drawing/2010/main" w="9525">
                     <a:solidFill>
                       <a:srgbClr val="000000"/>
                     </a:solidFill>
@@ -11159,7 +11170,7 @@
               </a:ln>
               <a:extLst>
                 <a:ext uri="{91240B29-F687-4f45-9708-019B960494DF}">
-                  <a14:hiddenLine xmlns:a14="http://schemas.microsoft.com/office/drawing/2010/main" xmlns="" w="9525">
+                  <a14:hiddenLine xmlns="" xmlns:a14="http://schemas.microsoft.com/office/drawing/2010/main" w="9525">
                     <a:solidFill>
                       <a:srgbClr val="000000"/>
                     </a:solidFill>
@@ -11249,7 +11260,7 @@
               </a:ln>
               <a:extLst>
                 <a:ext uri="{91240B29-F687-4f45-9708-019B960494DF}">
-                  <a14:hiddenLine xmlns:a14="http://schemas.microsoft.com/office/drawing/2010/main" xmlns="" w="9525">
+                  <a14:hiddenLine xmlns="" xmlns:a14="http://schemas.microsoft.com/office/drawing/2010/main" w="9525">
                     <a:solidFill>
                       <a:srgbClr val="000000"/>
                     </a:solidFill>
@@ -11314,7 +11325,7 @@
               </a:ln>
               <a:extLst>
                 <a:ext uri="{91240B29-F687-4f45-9708-019B960494DF}">
-                  <a14:hiddenLine xmlns:a14="http://schemas.microsoft.com/office/drawing/2010/main" xmlns="" w="9525">
+                  <a14:hiddenLine xmlns="" xmlns:a14="http://schemas.microsoft.com/office/drawing/2010/main" w="9525">
                     <a:solidFill>
                       <a:srgbClr val="000000"/>
                     </a:solidFill>
@@ -11434,7 +11445,7 @@
               </a:ln>
               <a:extLst>
                 <a:ext uri="{91240B29-F687-4f45-9708-019B960494DF}">
-                  <a14:hiddenLine xmlns:a14="http://schemas.microsoft.com/office/drawing/2010/main" xmlns="" w="9525">
+                  <a14:hiddenLine xmlns="" xmlns:a14="http://schemas.microsoft.com/office/drawing/2010/main" w="9525">
                     <a:solidFill>
                       <a:srgbClr val="000000"/>
                     </a:solidFill>
@@ -11515,7 +11526,7 @@
               </a:ln>
               <a:extLst>
                 <a:ext uri="{91240B29-F687-4f45-9708-019B960494DF}">
-                  <a14:hiddenLine xmlns:a14="http://schemas.microsoft.com/office/drawing/2010/main" xmlns="" w="9525">
+                  <a14:hiddenLine xmlns="" xmlns:a14="http://schemas.microsoft.com/office/drawing/2010/main" w="9525">
                     <a:solidFill>
                       <a:srgbClr val="000000"/>
                     </a:solidFill>
@@ -11630,7 +11641,7 @@
               </a:ln>
               <a:extLst>
                 <a:ext uri="{91240B29-F687-4f45-9708-019B960494DF}">
-                  <a14:hiddenLine xmlns:a14="http://schemas.microsoft.com/office/drawing/2010/main" xmlns="" w="9525">
+                  <a14:hiddenLine xmlns="" xmlns:a14="http://schemas.microsoft.com/office/drawing/2010/main" w="9525">
                     <a:solidFill>
                       <a:srgbClr val="000000"/>
                     </a:solidFill>
@@ -11720,7 +11731,7 @@
               </a:ln>
               <a:extLst>
                 <a:ext uri="{91240B29-F687-4f45-9708-019B960494DF}">
-                  <a14:hiddenLine xmlns:a14="http://schemas.microsoft.com/office/drawing/2010/main" xmlns="" w="9525">
+                  <a14:hiddenLine xmlns="" xmlns:a14="http://schemas.microsoft.com/office/drawing/2010/main" w="9525">
                     <a:solidFill>
                       <a:srgbClr val="000000"/>
                     </a:solidFill>
@@ -11785,7 +11796,7 @@
               </a:ln>
               <a:extLst>
                 <a:ext uri="{91240B29-F687-4f45-9708-019B960494DF}">
-                  <a14:hiddenLine xmlns:a14="http://schemas.microsoft.com/office/drawing/2010/main" xmlns="" w="9525">
+                  <a14:hiddenLine xmlns="" xmlns:a14="http://schemas.microsoft.com/office/drawing/2010/main" w="9525">
                     <a:solidFill>
                       <a:srgbClr val="000000"/>
                     </a:solidFill>
@@ -11875,7 +11886,7 @@
               </a:ln>
               <a:extLst>
                 <a:ext uri="{91240B29-F687-4f45-9708-019B960494DF}">
-                  <a14:hiddenLine xmlns:a14="http://schemas.microsoft.com/office/drawing/2010/main" xmlns="" w="9525">
+                  <a14:hiddenLine xmlns="" xmlns:a14="http://schemas.microsoft.com/office/drawing/2010/main" w="9525">
                     <a:solidFill>
                       <a:srgbClr val="000000"/>
                     </a:solidFill>
@@ -11943,7 +11954,7 @@
               </a:ln>
               <a:extLst>
                 <a:ext uri="{91240B29-F687-4f45-9708-019B960494DF}">
-                  <a14:hiddenLine xmlns:a14="http://schemas.microsoft.com/office/drawing/2010/main" xmlns="" w="9525">
+                  <a14:hiddenLine xmlns="" xmlns:a14="http://schemas.microsoft.com/office/drawing/2010/main" w="9525">
                     <a:solidFill>
                       <a:srgbClr val="000000"/>
                     </a:solidFill>
@@ -12033,7 +12044,7 @@
               </a:ln>
               <a:extLst>
                 <a:ext uri="{91240B29-F687-4f45-9708-019B960494DF}">
-                  <a14:hiddenLine xmlns:a14="http://schemas.microsoft.com/office/drawing/2010/main" xmlns="" w="9525">
+                  <a14:hiddenLine xmlns="" xmlns:a14="http://schemas.microsoft.com/office/drawing/2010/main" w="9525">
                     <a:solidFill>
                       <a:srgbClr val="000000"/>
                     </a:solidFill>
@@ -12101,7 +12112,7 @@
               </a:ln>
               <a:extLst>
                 <a:ext uri="{91240B29-F687-4f45-9708-019B960494DF}">
-                  <a14:hiddenLine xmlns:a14="http://schemas.microsoft.com/office/drawing/2010/main" xmlns="" w="9525">
+                  <a14:hiddenLine xmlns="" xmlns:a14="http://schemas.microsoft.com/office/drawing/2010/main" w="9525">
                     <a:solidFill>
                       <a:srgbClr val="000000"/>
                     </a:solidFill>
@@ -12191,7 +12202,7 @@
               </a:ln>
               <a:extLst>
                 <a:ext uri="{91240B29-F687-4f45-9708-019B960494DF}">
-                  <a14:hiddenLine xmlns:a14="http://schemas.microsoft.com/office/drawing/2010/main" xmlns="" w="9525">
+                  <a14:hiddenLine xmlns="" xmlns:a14="http://schemas.microsoft.com/office/drawing/2010/main" w="9525">
                     <a:solidFill>
                       <a:srgbClr val="000000"/>
                     </a:solidFill>
@@ -12225,7 +12236,7 @@
               </a:ln>
               <a:extLst>
                 <a:ext uri="{91240B29-F687-4f45-9708-019B960494DF}">
-                  <a14:hiddenLine xmlns:a14="http://schemas.microsoft.com/office/drawing/2010/main" xmlns="" w="9525">
+                  <a14:hiddenLine xmlns="" xmlns:a14="http://schemas.microsoft.com/office/drawing/2010/main" w="9525">
                     <a:solidFill>
                       <a:srgbClr val="000000"/>
                     </a:solidFill>
@@ -12895,6 +12906,300 @@
 </p:sld>
 </file>
 
+<file path=ppt/slides/slide10.xml><?xml version="1.0" encoding="utf-8"?>
+<p:sld xmlns:a="http://schemas.openxmlformats.org/drawingml/2006/main" xmlns:r="http://schemas.openxmlformats.org/officeDocument/2006/relationships" xmlns:p="http://schemas.openxmlformats.org/presentationml/2006/main">
+  <p:cSld>
+    <p:spTree>
+      <p:nvGrpSpPr>
+        <p:cNvPr id="1" name=""/>
+        <p:cNvGrpSpPr/>
+        <p:nvPr/>
+      </p:nvGrpSpPr>
+      <p:grpSpPr>
+        <a:xfrm>
+          <a:off x="0" y="0"/>
+          <a:ext cx="0" cy="0"/>
+          <a:chOff x="0" y="0"/>
+          <a:chExt cx="0" cy="0"/>
+        </a:xfrm>
+      </p:grpSpPr>
+      <p:sp>
+        <p:nvSpPr>
+          <p:cNvPr id="2" name="Title 1"/>
+          <p:cNvSpPr>
+            <a:spLocks noGrp="1"/>
+          </p:cNvSpPr>
+          <p:nvPr>
+            <p:ph type="title"/>
+          </p:nvPr>
+        </p:nvSpPr>
+        <p:spPr/>
+        <p:txBody>
+          <a:bodyPr/>
+          <a:lstStyle/>
+          <a:p>
+            <a:r>
+              <a:rPr lang="en-US" dirty="0" smtClean="0"/>
+              <a:t>*</a:t>
+            </a:r>
+            <a:r>
+              <a:rPr lang="en-US" dirty="0" err="1" smtClean="0"/>
+              <a:t>printVars</a:t>
+            </a:r>
+            <a:endParaRPr lang="fr-FR" dirty="0"/>
+          </a:p>
+        </p:txBody>
+      </p:sp>
+      <p:sp>
+        <p:nvSpPr>
+          <p:cNvPr id="3" name="Content Placeholder 2"/>
+          <p:cNvSpPr>
+            <a:spLocks noGrp="1"/>
+          </p:cNvSpPr>
+          <p:nvPr>
+            <p:ph idx="1"/>
+          </p:nvPr>
+        </p:nvSpPr>
+        <p:spPr/>
+        <p:txBody>
+          <a:bodyPr/>
+          <a:lstStyle/>
+          <a:p>
+            <a:r>
+              <a:rPr lang="en-US" dirty="0" smtClean="0"/>
+              <a:t>Prints global variables as a dictionary </a:t>
+            </a:r>
+          </a:p>
+          <a:p>
+            <a:r>
+              <a:rPr lang="en-US" dirty="0" smtClean="0"/>
+              <a:t>(Line 99)</a:t>
+            </a:r>
+            <a:endParaRPr lang="fr-FR" dirty="0"/>
+          </a:p>
+        </p:txBody>
+      </p:sp>
+    </p:spTree>
+    <p:extLst>
+      <p:ext uri="{BB962C8B-B14F-4D97-AF65-F5344CB8AC3E}">
+        <p14:creationId xmlns:p14="http://schemas.microsoft.com/office/powerpoint/2010/main" val="292608976"/>
+      </p:ext>
+    </p:extLst>
+  </p:cSld>
+  <p:clrMapOvr>
+    <a:masterClrMapping/>
+  </p:clrMapOvr>
+</p:sld>
+</file>
+
+<file path=ppt/slides/slide11.xml><?xml version="1.0" encoding="utf-8"?>
+<p:sld xmlns:a="http://schemas.openxmlformats.org/drawingml/2006/main" xmlns:r="http://schemas.openxmlformats.org/officeDocument/2006/relationships" xmlns:p="http://schemas.openxmlformats.org/presentationml/2006/main">
+  <p:cSld>
+    <p:spTree>
+      <p:nvGrpSpPr>
+        <p:cNvPr id="1" name=""/>
+        <p:cNvGrpSpPr/>
+        <p:nvPr/>
+      </p:nvGrpSpPr>
+      <p:grpSpPr>
+        <a:xfrm>
+          <a:off x="0" y="0"/>
+          <a:ext cx="0" cy="0"/>
+          <a:chOff x="0" y="0"/>
+          <a:chExt cx="0" cy="0"/>
+        </a:xfrm>
+      </p:grpSpPr>
+      <p:sp>
+        <p:nvSpPr>
+          <p:cNvPr id="2" name="Title 1"/>
+          <p:cNvSpPr>
+            <a:spLocks noGrp="1"/>
+          </p:cNvSpPr>
+          <p:nvPr>
+            <p:ph type="title"/>
+          </p:nvPr>
+        </p:nvSpPr>
+        <p:spPr/>
+        <p:txBody>
+          <a:bodyPr/>
+          <a:lstStyle/>
+          <a:p>
+            <a:r>
+              <a:rPr lang="en-US" dirty="0" smtClean="0"/>
+              <a:t>Conclusion</a:t>
+            </a:r>
+            <a:endParaRPr lang="fr-FR" dirty="0"/>
+          </a:p>
+        </p:txBody>
+      </p:sp>
+      <p:sp>
+        <p:nvSpPr>
+          <p:cNvPr id="3" name="Content Placeholder 2"/>
+          <p:cNvSpPr>
+            <a:spLocks noGrp="1"/>
+          </p:cNvSpPr>
+          <p:nvPr>
+            <p:ph idx="1"/>
+          </p:nvPr>
+        </p:nvSpPr>
+        <p:spPr/>
+        <p:txBody>
+          <a:bodyPr/>
+          <a:lstStyle/>
+          <a:p>
+            <a:r>
+              <a:rPr lang="en-US" dirty="0" smtClean="0">
+                <a:sym typeface="Wingdings" panose="05000000000000000000" pitchFamily="2" charset="2"/>
+              </a:rPr>
+              <a:t>Lessons from class:</a:t>
+            </a:r>
+          </a:p>
+          <a:p>
+            <a:pPr lvl="1"/>
+            <a:r>
+              <a:rPr lang="en-US" dirty="0" smtClean="0">
+                <a:sym typeface="Wingdings" panose="05000000000000000000" pitchFamily="2" charset="2"/>
+              </a:rPr>
+              <a:t>Lambda Functions</a:t>
+            </a:r>
+          </a:p>
+          <a:p>
+            <a:pPr lvl="1"/>
+            <a:r>
+              <a:rPr lang="en-US" dirty="0" smtClean="0">
+                <a:sym typeface="Wingdings" panose="05000000000000000000" pitchFamily="2" charset="2"/>
+              </a:rPr>
+              <a:t>List Comprehension</a:t>
+            </a:r>
+          </a:p>
+          <a:p>
+            <a:pPr lvl="1"/>
+            <a:r>
+              <a:rPr lang="en-US" dirty="0" smtClean="0">
+                <a:sym typeface="Wingdings" panose="05000000000000000000" pitchFamily="2" charset="2"/>
+              </a:rPr>
+              <a:t>Closures</a:t>
+            </a:r>
+          </a:p>
+          <a:p>
+            <a:pPr lvl="1"/>
+            <a:r>
+              <a:rPr lang="en-US" dirty="0" smtClean="0">
+                <a:sym typeface="Wingdings" panose="05000000000000000000" pitchFamily="2" charset="2"/>
+              </a:rPr>
+              <a:t>Java stream operations</a:t>
+            </a:r>
+          </a:p>
+          <a:p>
+            <a:pPr lvl="1"/>
+            <a:r>
+              <a:rPr lang="en-US" dirty="0" smtClean="0">
+                <a:sym typeface="Wingdings" panose="05000000000000000000" pitchFamily="2" charset="2"/>
+              </a:rPr>
+              <a:t>Functional Programming v OO</a:t>
+            </a:r>
+          </a:p>
+          <a:p>
+            <a:pPr lvl="1"/>
+            <a:r>
+              <a:rPr lang="en-US" dirty="0" smtClean="0">
+                <a:sym typeface="Wingdings" panose="05000000000000000000" pitchFamily="2" charset="2"/>
+              </a:rPr>
+              <a:t>Functions of Lexers and Parsers</a:t>
+            </a:r>
+          </a:p>
+        </p:txBody>
+      </p:sp>
+    </p:spTree>
+    <p:extLst>
+      <p:ext uri="{BB962C8B-B14F-4D97-AF65-F5344CB8AC3E}">
+        <p14:creationId xmlns:p14="http://schemas.microsoft.com/office/powerpoint/2010/main" val="1286531303"/>
+      </p:ext>
+    </p:extLst>
+  </p:cSld>
+  <p:clrMapOvr>
+    <a:masterClrMapping/>
+  </p:clrMapOvr>
+</p:sld>
+</file>
+
+<file path=ppt/slides/slide12.xml><?xml version="1.0" encoding="utf-8"?>
+<p:sld xmlns:a="http://schemas.openxmlformats.org/drawingml/2006/main" xmlns:r="http://schemas.openxmlformats.org/officeDocument/2006/relationships" xmlns:p="http://schemas.openxmlformats.org/presentationml/2006/main">
+  <p:cSld>
+    <p:spTree>
+      <p:nvGrpSpPr>
+        <p:cNvPr id="1" name=""/>
+        <p:cNvGrpSpPr/>
+        <p:nvPr/>
+      </p:nvGrpSpPr>
+      <p:grpSpPr>
+        <a:xfrm>
+          <a:off x="0" y="0"/>
+          <a:ext cx="0" cy="0"/>
+          <a:chOff x="0" y="0"/>
+          <a:chExt cx="0" cy="0"/>
+        </a:xfrm>
+      </p:grpSpPr>
+      <p:sp>
+        <p:nvSpPr>
+          <p:cNvPr id="2" name="Title 1"/>
+          <p:cNvSpPr>
+            <a:spLocks noGrp="1"/>
+          </p:cNvSpPr>
+          <p:nvPr>
+            <p:ph type="title"/>
+          </p:nvPr>
+        </p:nvSpPr>
+        <p:spPr/>
+        <p:txBody>
+          <a:bodyPr/>
+          <a:lstStyle/>
+          <a:p>
+            <a:r>
+              <a:rPr lang="en-US" dirty="0" smtClean="0"/>
+              <a:t>Questions?</a:t>
+            </a:r>
+            <a:endParaRPr lang="fr-FR" dirty="0"/>
+          </a:p>
+        </p:txBody>
+      </p:sp>
+      <p:sp>
+        <p:nvSpPr>
+          <p:cNvPr id="3" name="Content Placeholder 2"/>
+          <p:cNvSpPr>
+            <a:spLocks noGrp="1"/>
+          </p:cNvSpPr>
+          <p:nvPr>
+            <p:ph idx="1"/>
+          </p:nvPr>
+        </p:nvSpPr>
+        <p:spPr/>
+        <p:txBody>
+          <a:bodyPr/>
+          <a:lstStyle/>
+          <a:p>
+            <a:r>
+              <a:rPr lang="en-US" dirty="0" smtClean="0">
+                <a:sym typeface="Wingdings" panose="05000000000000000000" pitchFamily="2" charset="2"/>
+              </a:rPr>
+              <a:t></a:t>
+            </a:r>
+          </a:p>
+        </p:txBody>
+      </p:sp>
+    </p:spTree>
+    <p:extLst>
+      <p:ext uri="{BB962C8B-B14F-4D97-AF65-F5344CB8AC3E}">
+        <p14:creationId xmlns:p14="http://schemas.microsoft.com/office/powerpoint/2010/main" val="932312434"/>
+      </p:ext>
+    </p:extLst>
+  </p:cSld>
+  <p:clrMapOvr>
+    <a:masterClrMapping/>
+  </p:clrMapOvr>
+</p:sld>
+</file>
+
 <file path=ppt/slides/slide2.xml><?xml version="1.0" encoding="utf-8"?>
 <p:sld xmlns:a="http://schemas.openxmlformats.org/drawingml/2006/main" xmlns:r="http://schemas.openxmlformats.org/officeDocument/2006/relationships" xmlns:p="http://schemas.openxmlformats.org/presentationml/2006/main">
   <p:cSld>
@@ -13056,7 +13361,6 @@
               <a:rPr lang="en-US" dirty="0" smtClean="0"/>
               <a:t>Read C (HMM Based Syntax Update)</a:t>
             </a:r>
-            <a:endParaRPr lang="en-US" dirty="0" smtClean="0"/>
           </a:p>
           <a:p>
             <a:pPr marL="457200" lvl="1" indent="0">
@@ -13111,7 +13415,6 @@
               <a:rPr lang="en-US" dirty="0" smtClean="0"/>
               <a:t>-Vector objects</a:t>
             </a:r>
-            <a:endParaRPr lang="en-US" dirty="0" smtClean="0"/>
           </a:p>
           <a:p>
             <a:pPr marL="457200" lvl="1" indent="0">
@@ -15425,7 +15728,9 @@
         </p:nvSpPr>
         <p:spPr/>
         <p:txBody>
-          <a:bodyPr/>
+          <a:bodyPr>
+            <a:normAutofit fontScale="85000" lnSpcReduction="20000"/>
+          </a:bodyPr>
           <a:lstStyle/>
           <a:p>
             <a:pPr marL="0" indent="0">
@@ -15497,8 +15802,31 @@
               <a:buNone/>
             </a:pPr>
             <a:r>
-              <a:rPr lang="fr-FR" dirty="0" smtClean="0"/>
-              <a:t>‘FUNCTION_CALL(t)’</a:t>
+              <a:rPr lang="pl-PL" dirty="0"/>
+              <a:t>def t_FUNCTION_CALL(t):</a:t>
+            </a:r>
+          </a:p>
+          <a:p>
+            <a:pPr marL="0" indent="0">
+              <a:buNone/>
+            </a:pPr>
+            <a:r>
+              <a:rPr lang="pl-PL" dirty="0"/>
+              <a:t>    r'\*[a-zA-Z0-9_]*\([. ,a-zA-Z0-9</a:t>
+            </a:r>
+            <a:r>
+              <a:rPr lang="pl-PL" dirty="0" smtClean="0"/>
+              <a:t>_]*\);‘</a:t>
+            </a:r>
+            <a:endParaRPr lang="en-US" dirty="0" smtClean="0"/>
+          </a:p>
+          <a:p>
+            <a:pPr marL="0" indent="0">
+              <a:buNone/>
+            </a:pPr>
+            <a:r>
+              <a:rPr lang="en-US" dirty="0" smtClean="0"/>
+              <a:t>(Line 231)</a:t>
             </a:r>
             <a:endParaRPr lang="fr-FR" dirty="0"/>
           </a:p>
@@ -15556,6 +15884,10 @@
           <a:bodyPr/>
           <a:lstStyle/>
           <a:p>
+            <a:r>
+              <a:rPr lang="en-US" dirty="0" smtClean="0"/>
+              <a:t>*Squares</a:t>
+            </a:r>
             <a:endParaRPr lang="fr-FR" dirty="0"/>
           </a:p>
         </p:txBody>
@@ -15575,7 +15907,21 @@
           <a:bodyPr/>
           <a:lstStyle/>
           <a:p>
-            <a:endParaRPr lang="fr-FR"/>
+            <a:r>
+              <a:rPr lang="en-US" dirty="0" smtClean="0"/>
+              <a:t>Utilized Java stream operations to square numbers or variables in a list.</a:t>
+            </a:r>
+          </a:p>
+          <a:p>
+            <a:r>
+              <a:rPr lang="en-US" dirty="0" smtClean="0"/>
+              <a:t>(Line </a:t>
+            </a:r>
+            <a:r>
+              <a:rPr lang="en-US" dirty="0" smtClean="0"/>
+              <a:t>147)</a:t>
+            </a:r>
+            <a:endParaRPr lang="fr-FR" dirty="0"/>
           </a:p>
         </p:txBody>
       </p:sp>
@@ -15596,6 +15942,260 @@
       </p:par>
     </p:tnLst>
   </p:timing>
+</p:sld>
+</file>
+
+<file path=ppt/slides/slide7.xml><?xml version="1.0" encoding="utf-8"?>
+<p:sld xmlns:a="http://schemas.openxmlformats.org/drawingml/2006/main" xmlns:r="http://schemas.openxmlformats.org/officeDocument/2006/relationships" xmlns:p="http://schemas.openxmlformats.org/presentationml/2006/main">
+  <p:cSld>
+    <p:spTree>
+      <p:nvGrpSpPr>
+        <p:cNvPr id="1" name=""/>
+        <p:cNvGrpSpPr/>
+        <p:nvPr/>
+      </p:nvGrpSpPr>
+      <p:grpSpPr>
+        <a:xfrm>
+          <a:off x="0" y="0"/>
+          <a:ext cx="0" cy="0"/>
+          <a:chOff x="0" y="0"/>
+          <a:chExt cx="0" cy="0"/>
+        </a:xfrm>
+      </p:grpSpPr>
+      <p:sp>
+        <p:nvSpPr>
+          <p:cNvPr id="2" name="Title 1"/>
+          <p:cNvSpPr>
+            <a:spLocks noGrp="1"/>
+          </p:cNvSpPr>
+          <p:nvPr>
+            <p:ph type="title"/>
+          </p:nvPr>
+        </p:nvSpPr>
+        <p:spPr/>
+        <p:txBody>
+          <a:bodyPr/>
+          <a:lstStyle/>
+          <a:p>
+            <a:r>
+              <a:rPr lang="en-US" dirty="0" smtClean="0"/>
+              <a:t>*</a:t>
+            </a:r>
+            <a:r>
+              <a:rPr lang="en-US" dirty="0" err="1" smtClean="0"/>
+              <a:t>SquareSum</a:t>
+            </a:r>
+            <a:endParaRPr lang="fr-FR" dirty="0"/>
+          </a:p>
+        </p:txBody>
+      </p:sp>
+      <p:sp>
+        <p:nvSpPr>
+          <p:cNvPr id="3" name="Content Placeholder 2"/>
+          <p:cNvSpPr>
+            <a:spLocks noGrp="1"/>
+          </p:cNvSpPr>
+          <p:nvPr>
+            <p:ph idx="1"/>
+          </p:nvPr>
+        </p:nvSpPr>
+        <p:spPr/>
+        <p:txBody>
+          <a:bodyPr/>
+          <a:lstStyle/>
+          <a:p>
+            <a:r>
+              <a:rPr lang="en-US" dirty="0" smtClean="0"/>
+              <a:t>Used Lambda functions to square elements in a list and add them together. </a:t>
+            </a:r>
+          </a:p>
+          <a:p>
+            <a:r>
+              <a:rPr lang="en-US" dirty="0" smtClean="0"/>
+              <a:t>(line 157)</a:t>
+            </a:r>
+            <a:endParaRPr lang="fr-FR" dirty="0"/>
+          </a:p>
+        </p:txBody>
+      </p:sp>
+    </p:spTree>
+    <p:extLst>
+      <p:ext uri="{BB962C8B-B14F-4D97-AF65-F5344CB8AC3E}">
+        <p14:creationId xmlns:p14="http://schemas.microsoft.com/office/powerpoint/2010/main" val="2291484714"/>
+      </p:ext>
+    </p:extLst>
+  </p:cSld>
+  <p:clrMapOvr>
+    <a:masterClrMapping/>
+  </p:clrMapOvr>
+</p:sld>
+</file>
+
+<file path=ppt/slides/slide8.xml><?xml version="1.0" encoding="utf-8"?>
+<p:sld xmlns:a="http://schemas.openxmlformats.org/drawingml/2006/main" xmlns:r="http://schemas.openxmlformats.org/officeDocument/2006/relationships" xmlns:p="http://schemas.openxmlformats.org/presentationml/2006/main">
+  <p:cSld>
+    <p:spTree>
+      <p:nvGrpSpPr>
+        <p:cNvPr id="1" name=""/>
+        <p:cNvGrpSpPr/>
+        <p:nvPr/>
+      </p:nvGrpSpPr>
+      <p:grpSpPr>
+        <a:xfrm>
+          <a:off x="0" y="0"/>
+          <a:ext cx="0" cy="0"/>
+          <a:chOff x="0" y="0"/>
+          <a:chExt cx="0" cy="0"/>
+        </a:xfrm>
+      </p:grpSpPr>
+      <p:sp>
+        <p:nvSpPr>
+          <p:cNvPr id="2" name="Title 1"/>
+          <p:cNvSpPr>
+            <a:spLocks noGrp="1"/>
+          </p:cNvSpPr>
+          <p:nvPr>
+            <p:ph type="title"/>
+          </p:nvPr>
+        </p:nvSpPr>
+        <p:spPr/>
+        <p:txBody>
+          <a:bodyPr/>
+          <a:lstStyle/>
+          <a:p>
+            <a:r>
+              <a:rPr lang="en-US" dirty="0" smtClean="0"/>
+              <a:t>*</a:t>
+            </a:r>
+            <a:r>
+              <a:rPr lang="en-US" dirty="0" err="1" smtClean="0"/>
+              <a:t>VarAdd</a:t>
+            </a:r>
+            <a:endParaRPr lang="fr-FR" dirty="0"/>
+          </a:p>
+        </p:txBody>
+      </p:sp>
+      <p:sp>
+        <p:nvSpPr>
+          <p:cNvPr id="3" name="Content Placeholder 2"/>
+          <p:cNvSpPr>
+            <a:spLocks noGrp="1"/>
+          </p:cNvSpPr>
+          <p:nvPr>
+            <p:ph idx="1"/>
+          </p:nvPr>
+        </p:nvSpPr>
+        <p:spPr/>
+        <p:txBody>
+          <a:bodyPr/>
+          <a:lstStyle/>
+          <a:p>
+            <a:r>
+              <a:rPr lang="en-US" dirty="0" smtClean="0"/>
+              <a:t>Used dictionary comprehension to modify all variables by adding a constant to all variables. </a:t>
+            </a:r>
+          </a:p>
+          <a:p>
+            <a:r>
+              <a:rPr lang="en-US" dirty="0" smtClean="0"/>
+              <a:t>(Line 174)</a:t>
+            </a:r>
+            <a:endParaRPr lang="fr-FR" dirty="0"/>
+          </a:p>
+        </p:txBody>
+      </p:sp>
+    </p:spTree>
+    <p:extLst>
+      <p:ext uri="{BB962C8B-B14F-4D97-AF65-F5344CB8AC3E}">
+        <p14:creationId xmlns:p14="http://schemas.microsoft.com/office/powerpoint/2010/main" val="2043029984"/>
+      </p:ext>
+    </p:extLst>
+  </p:cSld>
+  <p:clrMapOvr>
+    <a:masterClrMapping/>
+  </p:clrMapOvr>
+</p:sld>
+</file>
+
+<file path=ppt/slides/slide9.xml><?xml version="1.0" encoding="utf-8"?>
+<p:sld xmlns:a="http://schemas.openxmlformats.org/drawingml/2006/main" xmlns:r="http://schemas.openxmlformats.org/officeDocument/2006/relationships" xmlns:p="http://schemas.openxmlformats.org/presentationml/2006/main">
+  <p:cSld>
+    <p:spTree>
+      <p:nvGrpSpPr>
+        <p:cNvPr id="1" name=""/>
+        <p:cNvGrpSpPr/>
+        <p:nvPr/>
+      </p:nvGrpSpPr>
+      <p:grpSpPr>
+        <a:xfrm>
+          <a:off x="0" y="0"/>
+          <a:ext cx="0" cy="0"/>
+          <a:chOff x="0" y="0"/>
+          <a:chExt cx="0" cy="0"/>
+        </a:xfrm>
+      </p:grpSpPr>
+      <p:sp>
+        <p:nvSpPr>
+          <p:cNvPr id="2" name="Title 1"/>
+          <p:cNvSpPr>
+            <a:spLocks noGrp="1"/>
+          </p:cNvSpPr>
+          <p:nvPr>
+            <p:ph type="title"/>
+          </p:nvPr>
+        </p:nvSpPr>
+        <p:spPr/>
+        <p:txBody>
+          <a:bodyPr/>
+          <a:lstStyle/>
+          <a:p>
+            <a:r>
+              <a:rPr lang="en-US" dirty="0" smtClean="0"/>
+              <a:t>*vector3D</a:t>
+            </a:r>
+            <a:endParaRPr lang="fr-FR" dirty="0"/>
+          </a:p>
+        </p:txBody>
+      </p:sp>
+      <p:sp>
+        <p:nvSpPr>
+          <p:cNvPr id="3" name="Content Placeholder 2"/>
+          <p:cNvSpPr>
+            <a:spLocks noGrp="1"/>
+          </p:cNvSpPr>
+          <p:nvPr>
+            <p:ph idx="1"/>
+          </p:nvPr>
+        </p:nvSpPr>
+        <p:spPr/>
+        <p:txBody>
+          <a:bodyPr/>
+          <a:lstStyle/>
+          <a:p>
+            <a:r>
+              <a:rPr lang="en-US" dirty="0" smtClean="0"/>
+              <a:t>Used Python Closures with lambdas to create a vector object and store class attributes.</a:t>
+            </a:r>
+          </a:p>
+          <a:p>
+            <a:r>
+              <a:rPr lang="en-US" dirty="0" smtClean="0"/>
+              <a:t>(Line 186)</a:t>
+            </a:r>
+            <a:endParaRPr lang="fr-FR" dirty="0"/>
+          </a:p>
+        </p:txBody>
+      </p:sp>
+    </p:spTree>
+    <p:extLst>
+      <p:ext uri="{BB962C8B-B14F-4D97-AF65-F5344CB8AC3E}">
+        <p14:creationId xmlns:p14="http://schemas.microsoft.com/office/powerpoint/2010/main" val="3767085499"/>
+      </p:ext>
+    </p:extLst>
+  </p:cSld>
+  <p:clrMapOvr>
+    <a:masterClrMapping/>
+  </p:clrMapOvr>
 </p:sld>
 </file>
 

--- a/HMM mas.pptx
+++ b/HMM mas.pptx
@@ -16,8 +16,8 @@
     <p:sldId id="261" r:id="rId7"/>
     <p:sldId id="262" r:id="rId8"/>
     <p:sldId id="263" r:id="rId9"/>
-    <p:sldId id="264" r:id="rId10"/>
-    <p:sldId id="265" r:id="rId11"/>
+    <p:sldId id="265" r:id="rId10"/>
+    <p:sldId id="264" r:id="rId11"/>
     <p:sldId id="266" r:id="rId12"/>
     <p:sldId id="267" r:id="rId13"/>
   </p:sldIdLst>
@@ -618,7 +618,7 @@
           <a:noFill/>
           <a:extLst>
             <a:ext uri="{909E8E84-426E-40dd-AFC4-6F175D3DCCD1}">
-              <a14:hiddenFill xmlns="" xmlns:a14="http://schemas.microsoft.com/office/drawing/2010/main">
+              <a14:hiddenFill xmlns:a14="http://schemas.microsoft.com/office/drawing/2010/main" xmlns="">
                 <a:solidFill>
                   <a:srgbClr val="FFFFFF"/>
                 </a:solidFill>
@@ -677,7 +677,7 @@
             </a:ln>
             <a:extLst>
               <a:ext uri="{91240B29-F687-4f45-9708-019B960494DF}">
-                <a14:hiddenLine xmlns="" xmlns:a14="http://schemas.microsoft.com/office/drawing/2010/main" w="9525">
+                <a14:hiddenLine xmlns:a14="http://schemas.microsoft.com/office/drawing/2010/main" xmlns="" w="9525">
                   <a:solidFill>
                     <a:srgbClr val="000000"/>
                   </a:solidFill>
@@ -767,7 +767,7 @@
             </a:ln>
             <a:extLst>
               <a:ext uri="{91240B29-F687-4f45-9708-019B960494DF}">
-                <a14:hiddenLine xmlns="" xmlns:a14="http://schemas.microsoft.com/office/drawing/2010/main" w="9525">
+                <a14:hiddenLine xmlns:a14="http://schemas.microsoft.com/office/drawing/2010/main" xmlns="" w="9525">
                   <a:solidFill>
                     <a:srgbClr val="000000"/>
                   </a:solidFill>
@@ -857,7 +857,7 @@
             </a:ln>
             <a:extLst>
               <a:ext uri="{91240B29-F687-4f45-9708-019B960494DF}">
-                <a14:hiddenLine xmlns="" xmlns:a14="http://schemas.microsoft.com/office/drawing/2010/main" w="9525">
+                <a14:hiddenLine xmlns:a14="http://schemas.microsoft.com/office/drawing/2010/main" xmlns="" w="9525">
                   <a:solidFill>
                     <a:srgbClr val="000000"/>
                   </a:solidFill>
@@ -891,7 +891,7 @@
             </a:ln>
             <a:extLst>
               <a:ext uri="{91240B29-F687-4f45-9708-019B960494DF}">
-                <a14:hiddenLine xmlns="" xmlns:a14="http://schemas.microsoft.com/office/drawing/2010/main" w="9525">
+                <a14:hiddenLine xmlns:a14="http://schemas.microsoft.com/office/drawing/2010/main" xmlns="" w="9525">
                   <a:solidFill>
                     <a:srgbClr val="000000"/>
                   </a:solidFill>
@@ -981,7 +981,7 @@
             </a:ln>
             <a:extLst>
               <a:ext uri="{91240B29-F687-4f45-9708-019B960494DF}">
-                <a14:hiddenLine xmlns="" xmlns:a14="http://schemas.microsoft.com/office/drawing/2010/main" w="9525">
+                <a14:hiddenLine xmlns:a14="http://schemas.microsoft.com/office/drawing/2010/main" xmlns="" w="9525">
                   <a:solidFill>
                     <a:srgbClr val="000000"/>
                   </a:solidFill>
@@ -1043,7 +1043,7 @@
             </a:ln>
             <a:extLst>
               <a:ext uri="{91240B29-F687-4f45-9708-019B960494DF}">
-                <a14:hiddenLine xmlns="" xmlns:a14="http://schemas.microsoft.com/office/drawing/2010/main" w="9525">
+                <a14:hiddenLine xmlns:a14="http://schemas.microsoft.com/office/drawing/2010/main" xmlns="" w="9525">
                   <a:solidFill>
                     <a:srgbClr val="000000"/>
                   </a:solidFill>
@@ -1105,7 +1105,7 @@
             </a:ln>
             <a:extLst>
               <a:ext uri="{91240B29-F687-4f45-9708-019B960494DF}">
-                <a14:hiddenLine xmlns="" xmlns:a14="http://schemas.microsoft.com/office/drawing/2010/main" w="9525">
+                <a14:hiddenLine xmlns:a14="http://schemas.microsoft.com/office/drawing/2010/main" xmlns="" w="9525">
                   <a:solidFill>
                     <a:srgbClr val="000000"/>
                   </a:solidFill>
@@ -1195,7 +1195,7 @@
             </a:ln>
             <a:extLst>
               <a:ext uri="{91240B29-F687-4f45-9708-019B960494DF}">
-                <a14:hiddenLine xmlns="" xmlns:a14="http://schemas.microsoft.com/office/drawing/2010/main" w="9525">
+                <a14:hiddenLine xmlns:a14="http://schemas.microsoft.com/office/drawing/2010/main" xmlns="" w="9525">
                   <a:solidFill>
                     <a:srgbClr val="000000"/>
                   </a:solidFill>
@@ -1257,7 +1257,7 @@
             </a:ln>
             <a:extLst>
               <a:ext uri="{91240B29-F687-4f45-9708-019B960494DF}">
-                <a14:hiddenLine xmlns="" xmlns:a14="http://schemas.microsoft.com/office/drawing/2010/main" w="9525">
+                <a14:hiddenLine xmlns:a14="http://schemas.microsoft.com/office/drawing/2010/main" xmlns="" w="9525">
                   <a:solidFill>
                     <a:srgbClr val="000000"/>
                   </a:solidFill>
@@ -1319,7 +1319,7 @@
             </a:ln>
             <a:extLst>
               <a:ext uri="{91240B29-F687-4f45-9708-019B960494DF}">
-                <a14:hiddenLine xmlns="" xmlns:a14="http://schemas.microsoft.com/office/drawing/2010/main" w="9525">
+                <a14:hiddenLine xmlns:a14="http://schemas.microsoft.com/office/drawing/2010/main" xmlns="" w="9525">
                   <a:solidFill>
                     <a:srgbClr val="000000"/>
                   </a:solidFill>
@@ -1409,7 +1409,7 @@
             </a:ln>
             <a:extLst>
               <a:ext uri="{91240B29-F687-4f45-9708-019B960494DF}">
-                <a14:hiddenLine xmlns="" xmlns:a14="http://schemas.microsoft.com/office/drawing/2010/main" w="9525">
+                <a14:hiddenLine xmlns:a14="http://schemas.microsoft.com/office/drawing/2010/main" xmlns="" w="9525">
                   <a:solidFill>
                     <a:srgbClr val="000000"/>
                   </a:solidFill>
@@ -1499,7 +1499,7 @@
             </a:ln>
             <a:extLst>
               <a:ext uri="{91240B29-F687-4f45-9708-019B960494DF}">
-                <a14:hiddenLine xmlns="" xmlns:a14="http://schemas.microsoft.com/office/drawing/2010/main" w="9525">
+                <a14:hiddenLine xmlns:a14="http://schemas.microsoft.com/office/drawing/2010/main" xmlns="" w="9525">
                   <a:solidFill>
                     <a:srgbClr val="000000"/>
                   </a:solidFill>
@@ -1561,7 +1561,7 @@
             </a:ln>
             <a:extLst>
               <a:ext uri="{91240B29-F687-4f45-9708-019B960494DF}">
-                <a14:hiddenLine xmlns="" xmlns:a14="http://schemas.microsoft.com/office/drawing/2010/main" w="9525">
+                <a14:hiddenLine xmlns:a14="http://schemas.microsoft.com/office/drawing/2010/main" xmlns="" w="9525">
                   <a:solidFill>
                     <a:srgbClr val="000000"/>
                   </a:solidFill>
@@ -1671,7 +1671,7 @@
             </a:ln>
             <a:extLst>
               <a:ext uri="{91240B29-F687-4f45-9708-019B960494DF}">
-                <a14:hiddenLine xmlns="" xmlns:a14="http://schemas.microsoft.com/office/drawing/2010/main" w="9525">
+                <a14:hiddenLine xmlns:a14="http://schemas.microsoft.com/office/drawing/2010/main" xmlns="" w="9525">
                   <a:solidFill>
                     <a:srgbClr val="000000"/>
                   </a:solidFill>
@@ -1733,7 +1733,7 @@
             </a:ln>
             <a:extLst>
               <a:ext uri="{91240B29-F687-4f45-9708-019B960494DF}">
-                <a14:hiddenLine xmlns="" xmlns:a14="http://schemas.microsoft.com/office/drawing/2010/main" w="9525">
+                <a14:hiddenLine xmlns:a14="http://schemas.microsoft.com/office/drawing/2010/main" xmlns="" w="9525">
                   <a:solidFill>
                     <a:srgbClr val="000000"/>
                   </a:solidFill>
@@ -1823,7 +1823,7 @@
             </a:ln>
             <a:extLst>
               <a:ext uri="{91240B29-F687-4f45-9708-019B960494DF}">
-                <a14:hiddenLine xmlns="" xmlns:a14="http://schemas.microsoft.com/office/drawing/2010/main" w="9525">
+                <a14:hiddenLine xmlns:a14="http://schemas.microsoft.com/office/drawing/2010/main" xmlns="" w="9525">
                   <a:solidFill>
                     <a:srgbClr val="000000"/>
                   </a:solidFill>
@@ -1913,7 +1913,7 @@
             </a:ln>
             <a:extLst>
               <a:ext uri="{91240B29-F687-4f45-9708-019B960494DF}">
-                <a14:hiddenLine xmlns="" xmlns:a14="http://schemas.microsoft.com/office/drawing/2010/main" w="9525">
+                <a14:hiddenLine xmlns:a14="http://schemas.microsoft.com/office/drawing/2010/main" xmlns="" w="9525">
                   <a:solidFill>
                     <a:srgbClr val="000000"/>
                   </a:solidFill>
@@ -1975,7 +1975,7 @@
             </a:ln>
             <a:extLst>
               <a:ext uri="{91240B29-F687-4f45-9708-019B960494DF}">
-                <a14:hiddenLine xmlns="" xmlns:a14="http://schemas.microsoft.com/office/drawing/2010/main" w="9525">
+                <a14:hiddenLine xmlns:a14="http://schemas.microsoft.com/office/drawing/2010/main" xmlns="" w="9525">
                   <a:solidFill>
                     <a:srgbClr val="000000"/>
                   </a:solidFill>
@@ -2065,7 +2065,7 @@
             </a:ln>
             <a:extLst>
               <a:ext uri="{91240B29-F687-4f45-9708-019B960494DF}">
-                <a14:hiddenLine xmlns="" xmlns:a14="http://schemas.microsoft.com/office/drawing/2010/main" w="9525">
+                <a14:hiddenLine xmlns:a14="http://schemas.microsoft.com/office/drawing/2010/main" xmlns="" w="9525">
                   <a:solidFill>
                     <a:srgbClr val="000000"/>
                   </a:solidFill>
@@ -2155,7 +2155,7 @@
             </a:ln>
             <a:extLst>
               <a:ext uri="{91240B29-F687-4f45-9708-019B960494DF}">
-                <a14:hiddenLine xmlns="" xmlns:a14="http://schemas.microsoft.com/office/drawing/2010/main" w="9525">
+                <a14:hiddenLine xmlns:a14="http://schemas.microsoft.com/office/drawing/2010/main" xmlns="" w="9525">
                   <a:solidFill>
                     <a:srgbClr val="000000"/>
                   </a:solidFill>
@@ -2211,7 +2211,7 @@
             </a:ln>
             <a:extLst>
               <a:ext uri="{91240B29-F687-4f45-9708-019B960494DF}">
-                <a14:hiddenLine xmlns="" xmlns:a14="http://schemas.microsoft.com/office/drawing/2010/main" w="9525">
+                <a14:hiddenLine xmlns:a14="http://schemas.microsoft.com/office/drawing/2010/main" xmlns="" w="9525">
                   <a:solidFill>
                     <a:srgbClr val="000000"/>
                   </a:solidFill>
@@ -2301,7 +2301,7 @@
             </a:ln>
             <a:extLst>
               <a:ext uri="{91240B29-F687-4f45-9708-019B960494DF}">
-                <a14:hiddenLine xmlns="" xmlns:a14="http://schemas.microsoft.com/office/drawing/2010/main" w="9525">
+                <a14:hiddenLine xmlns:a14="http://schemas.microsoft.com/office/drawing/2010/main" xmlns="" w="9525">
                   <a:solidFill>
                     <a:srgbClr val="000000"/>
                   </a:solidFill>
@@ -2357,7 +2357,7 @@
             </a:ln>
             <a:extLst>
               <a:ext uri="{91240B29-F687-4f45-9708-019B960494DF}">
-                <a14:hiddenLine xmlns="" xmlns:a14="http://schemas.microsoft.com/office/drawing/2010/main" w="9525">
+                <a14:hiddenLine xmlns:a14="http://schemas.microsoft.com/office/drawing/2010/main" xmlns="" w="9525">
                   <a:solidFill>
                     <a:srgbClr val="000000"/>
                   </a:solidFill>
@@ -2447,7 +2447,7 @@
             </a:ln>
             <a:extLst>
               <a:ext uri="{91240B29-F687-4f45-9708-019B960494DF}">
-                <a14:hiddenLine xmlns="" xmlns:a14="http://schemas.microsoft.com/office/drawing/2010/main" w="9525">
+                <a14:hiddenLine xmlns:a14="http://schemas.microsoft.com/office/drawing/2010/main" xmlns="" w="9525">
                   <a:solidFill>
                     <a:srgbClr val="000000"/>
                   </a:solidFill>
@@ -2515,7 +2515,7 @@
             </a:ln>
             <a:extLst>
               <a:ext uri="{91240B29-F687-4f45-9708-019B960494DF}">
-                <a14:hiddenLine xmlns="" xmlns:a14="http://schemas.microsoft.com/office/drawing/2010/main" w="9525">
+                <a14:hiddenLine xmlns:a14="http://schemas.microsoft.com/office/drawing/2010/main" xmlns="" w="9525">
                   <a:solidFill>
                     <a:srgbClr val="000000"/>
                   </a:solidFill>
@@ -2605,7 +2605,7 @@
             </a:ln>
             <a:extLst>
               <a:ext uri="{91240B29-F687-4f45-9708-019B960494DF}">
-                <a14:hiddenLine xmlns="" xmlns:a14="http://schemas.microsoft.com/office/drawing/2010/main" w="9525">
+                <a14:hiddenLine xmlns:a14="http://schemas.microsoft.com/office/drawing/2010/main" xmlns="" w="9525">
                   <a:solidFill>
                     <a:srgbClr val="000000"/>
                   </a:solidFill>
@@ -2673,7 +2673,7 @@
             </a:ln>
             <a:extLst>
               <a:ext uri="{91240B29-F687-4f45-9708-019B960494DF}">
-                <a14:hiddenLine xmlns="" xmlns:a14="http://schemas.microsoft.com/office/drawing/2010/main" w="9525">
+                <a14:hiddenLine xmlns:a14="http://schemas.microsoft.com/office/drawing/2010/main" xmlns="" w="9525">
                   <a:solidFill>
                     <a:srgbClr val="000000"/>
                   </a:solidFill>
@@ -2763,7 +2763,7 @@
             </a:ln>
             <a:extLst>
               <a:ext uri="{91240B29-F687-4f45-9708-019B960494DF}">
-                <a14:hiddenLine xmlns="" xmlns:a14="http://schemas.microsoft.com/office/drawing/2010/main" w="9525">
+                <a14:hiddenLine xmlns:a14="http://schemas.microsoft.com/office/drawing/2010/main" xmlns="" w="9525">
                   <a:solidFill>
                     <a:srgbClr val="000000"/>
                   </a:solidFill>
@@ -2797,7 +2797,7 @@
             </a:ln>
             <a:extLst>
               <a:ext uri="{91240B29-F687-4f45-9708-019B960494DF}">
-                <a14:hiddenLine xmlns="" xmlns:a14="http://schemas.microsoft.com/office/drawing/2010/main" w="9525">
+                <a14:hiddenLine xmlns:a14="http://schemas.microsoft.com/office/drawing/2010/main" xmlns="" w="9525">
                   <a:solidFill>
                     <a:srgbClr val="000000"/>
                   </a:solidFill>
@@ -2887,7 +2887,7 @@
             </a:ln>
             <a:extLst>
               <a:ext uri="{91240B29-F687-4f45-9708-019B960494DF}">
-                <a14:hiddenLine xmlns="" xmlns:a14="http://schemas.microsoft.com/office/drawing/2010/main" w="9525">
+                <a14:hiddenLine xmlns:a14="http://schemas.microsoft.com/office/drawing/2010/main" xmlns="" w="9525">
                   <a:solidFill>
                     <a:srgbClr val="000000"/>
                   </a:solidFill>
@@ -2949,7 +2949,7 @@
             </a:ln>
             <a:extLst>
               <a:ext uri="{91240B29-F687-4f45-9708-019B960494DF}">
-                <a14:hiddenLine xmlns="" xmlns:a14="http://schemas.microsoft.com/office/drawing/2010/main" w="9525">
+                <a14:hiddenLine xmlns:a14="http://schemas.microsoft.com/office/drawing/2010/main" xmlns="" w="9525">
                   <a:solidFill>
                     <a:srgbClr val="000000"/>
                   </a:solidFill>
@@ -3011,7 +3011,7 @@
             </a:ln>
             <a:extLst>
               <a:ext uri="{91240B29-F687-4f45-9708-019B960494DF}">
-                <a14:hiddenLine xmlns="" xmlns:a14="http://schemas.microsoft.com/office/drawing/2010/main" w="9525">
+                <a14:hiddenLine xmlns:a14="http://schemas.microsoft.com/office/drawing/2010/main" xmlns="" w="9525">
                   <a:solidFill>
                     <a:srgbClr val="000000"/>
                   </a:solidFill>
@@ -3101,7 +3101,7 @@
             </a:ln>
             <a:extLst>
               <a:ext uri="{91240B29-F687-4f45-9708-019B960494DF}">
-                <a14:hiddenLine xmlns="" xmlns:a14="http://schemas.microsoft.com/office/drawing/2010/main" w="9525">
+                <a14:hiddenLine xmlns:a14="http://schemas.microsoft.com/office/drawing/2010/main" xmlns="" w="9525">
                   <a:solidFill>
                     <a:srgbClr val="000000"/>
                   </a:solidFill>
@@ -3169,7 +3169,7 @@
             </a:ln>
             <a:extLst>
               <a:ext uri="{91240B29-F687-4f45-9708-019B960494DF}">
-                <a14:hiddenLine xmlns="" xmlns:a14="http://schemas.microsoft.com/office/drawing/2010/main" w="9525">
+                <a14:hiddenLine xmlns:a14="http://schemas.microsoft.com/office/drawing/2010/main" xmlns="" w="9525">
                   <a:solidFill>
                     <a:srgbClr val="000000"/>
                   </a:solidFill>
@@ -3231,7 +3231,7 @@
             </a:ln>
             <a:extLst>
               <a:ext uri="{91240B29-F687-4f45-9708-019B960494DF}">
-                <a14:hiddenLine xmlns="" xmlns:a14="http://schemas.microsoft.com/office/drawing/2010/main" w="9525">
+                <a14:hiddenLine xmlns:a14="http://schemas.microsoft.com/office/drawing/2010/main" xmlns="" w="9525">
                   <a:solidFill>
                     <a:srgbClr val="000000"/>
                   </a:solidFill>
@@ -3321,7 +3321,7 @@
             </a:ln>
             <a:extLst>
               <a:ext uri="{91240B29-F687-4f45-9708-019B960494DF}">
-                <a14:hiddenLine xmlns="" xmlns:a14="http://schemas.microsoft.com/office/drawing/2010/main" w="9525">
+                <a14:hiddenLine xmlns:a14="http://schemas.microsoft.com/office/drawing/2010/main" xmlns="" w="9525">
                   <a:solidFill>
                     <a:srgbClr val="000000"/>
                   </a:solidFill>
@@ -3383,7 +3383,7 @@
             </a:ln>
             <a:extLst>
               <a:ext uri="{91240B29-F687-4f45-9708-019B960494DF}">
-                <a14:hiddenLine xmlns="" xmlns:a14="http://schemas.microsoft.com/office/drawing/2010/main" w="9525">
+                <a14:hiddenLine xmlns:a14="http://schemas.microsoft.com/office/drawing/2010/main" xmlns="" w="9525">
                   <a:solidFill>
                     <a:srgbClr val="000000"/>
                   </a:solidFill>
@@ -3473,7 +3473,7 @@
             </a:ln>
             <a:extLst>
               <a:ext uri="{91240B29-F687-4f45-9708-019B960494DF}">
-                <a14:hiddenLine xmlns="" xmlns:a14="http://schemas.microsoft.com/office/drawing/2010/main" w="9525">
+                <a14:hiddenLine xmlns:a14="http://schemas.microsoft.com/office/drawing/2010/main" xmlns="" w="9525">
                   <a:solidFill>
                     <a:srgbClr val="000000"/>
                   </a:solidFill>
@@ -3535,7 +3535,7 @@
             </a:ln>
             <a:extLst>
               <a:ext uri="{91240B29-F687-4f45-9708-019B960494DF}">
-                <a14:hiddenLine xmlns="" xmlns:a14="http://schemas.microsoft.com/office/drawing/2010/main" w="9525">
+                <a14:hiddenLine xmlns:a14="http://schemas.microsoft.com/office/drawing/2010/main" xmlns="" w="9525">
                   <a:solidFill>
                     <a:srgbClr val="000000"/>
                   </a:solidFill>
@@ -3625,7 +3625,7 @@
             </a:ln>
             <a:extLst>
               <a:ext uri="{91240B29-F687-4f45-9708-019B960494DF}">
-                <a14:hiddenLine xmlns="" xmlns:a14="http://schemas.microsoft.com/office/drawing/2010/main" w="9525">
+                <a14:hiddenLine xmlns:a14="http://schemas.microsoft.com/office/drawing/2010/main" xmlns="" w="9525">
                   <a:solidFill>
                     <a:srgbClr val="000000"/>
                   </a:solidFill>
@@ -3659,7 +3659,7 @@
             </a:ln>
             <a:extLst>
               <a:ext uri="{91240B29-F687-4f45-9708-019B960494DF}">
-                <a14:hiddenLine xmlns="" xmlns:a14="http://schemas.microsoft.com/office/drawing/2010/main" w="9525">
+                <a14:hiddenLine xmlns:a14="http://schemas.microsoft.com/office/drawing/2010/main" xmlns="" w="9525">
                   <a:solidFill>
                     <a:srgbClr val="000000"/>
                   </a:solidFill>
@@ -3724,7 +3724,7 @@
             </a:ln>
             <a:extLst>
               <a:ext uri="{91240B29-F687-4f45-9708-019B960494DF}">
-                <a14:hiddenLine xmlns="" xmlns:a14="http://schemas.microsoft.com/office/drawing/2010/main" w="9525">
+                <a14:hiddenLine xmlns:a14="http://schemas.microsoft.com/office/drawing/2010/main" xmlns="" w="9525">
                   <a:solidFill>
                     <a:srgbClr val="000000"/>
                   </a:solidFill>
@@ -3814,7 +3814,7 @@
             </a:ln>
             <a:extLst>
               <a:ext uri="{91240B29-F687-4f45-9708-019B960494DF}">
-                <a14:hiddenLine xmlns="" xmlns:a14="http://schemas.microsoft.com/office/drawing/2010/main" w="9525">
+                <a14:hiddenLine xmlns:a14="http://schemas.microsoft.com/office/drawing/2010/main" xmlns="" w="9525">
                   <a:solidFill>
                     <a:srgbClr val="000000"/>
                   </a:solidFill>
@@ -3876,7 +3876,7 @@
             </a:ln>
             <a:extLst>
               <a:ext uri="{91240B29-F687-4f45-9708-019B960494DF}">
-                <a14:hiddenLine xmlns="" xmlns:a14="http://schemas.microsoft.com/office/drawing/2010/main" w="9525">
+                <a14:hiddenLine xmlns:a14="http://schemas.microsoft.com/office/drawing/2010/main" xmlns="" w="9525">
                   <a:solidFill>
                     <a:srgbClr val="000000"/>
                   </a:solidFill>
@@ -3966,7 +3966,7 @@
             </a:ln>
             <a:extLst>
               <a:ext uri="{91240B29-F687-4f45-9708-019B960494DF}">
-                <a14:hiddenLine xmlns="" xmlns:a14="http://schemas.microsoft.com/office/drawing/2010/main" w="9525">
+                <a14:hiddenLine xmlns:a14="http://schemas.microsoft.com/office/drawing/2010/main" xmlns="" w="9525">
                   <a:solidFill>
                     <a:srgbClr val="000000"/>
                   </a:solidFill>
@@ -4056,7 +4056,7 @@
             </a:ln>
             <a:extLst>
               <a:ext uri="{91240B29-F687-4f45-9708-019B960494DF}">
-                <a14:hiddenLine xmlns="" xmlns:a14="http://schemas.microsoft.com/office/drawing/2010/main" w="9525">
+                <a14:hiddenLine xmlns:a14="http://schemas.microsoft.com/office/drawing/2010/main" xmlns="" w="9525">
                   <a:solidFill>
                     <a:srgbClr val="000000"/>
                   </a:solidFill>
@@ -4121,7 +4121,7 @@
             </a:ln>
             <a:extLst>
               <a:ext uri="{91240B29-F687-4f45-9708-019B960494DF}">
-                <a14:hiddenLine xmlns="" xmlns:a14="http://schemas.microsoft.com/office/drawing/2010/main" w="9525">
+                <a14:hiddenLine xmlns:a14="http://schemas.microsoft.com/office/drawing/2010/main" xmlns="" w="9525">
                   <a:solidFill>
                     <a:srgbClr val="000000"/>
                   </a:solidFill>
@@ -4183,7 +4183,7 @@
             </a:ln>
             <a:extLst>
               <a:ext uri="{91240B29-F687-4f45-9708-019B960494DF}">
-                <a14:hiddenLine xmlns="" xmlns:a14="http://schemas.microsoft.com/office/drawing/2010/main" w="9525">
+                <a14:hiddenLine xmlns:a14="http://schemas.microsoft.com/office/drawing/2010/main" xmlns="" w="9525">
                   <a:solidFill>
                     <a:srgbClr val="000000"/>
                   </a:solidFill>
@@ -4273,7 +4273,7 @@
             </a:ln>
             <a:extLst>
               <a:ext uri="{91240B29-F687-4f45-9708-019B960494DF}">
-                <a14:hiddenLine xmlns="" xmlns:a14="http://schemas.microsoft.com/office/drawing/2010/main" w="9525">
+                <a14:hiddenLine xmlns:a14="http://schemas.microsoft.com/office/drawing/2010/main" xmlns="" w="9525">
                   <a:solidFill>
                     <a:srgbClr val="000000"/>
                   </a:solidFill>
@@ -4363,7 +4363,7 @@
             </a:ln>
             <a:extLst>
               <a:ext uri="{91240B29-F687-4f45-9708-019B960494DF}">
-                <a14:hiddenLine xmlns="" xmlns:a14="http://schemas.microsoft.com/office/drawing/2010/main" w="9525">
+                <a14:hiddenLine xmlns:a14="http://schemas.microsoft.com/office/drawing/2010/main" xmlns="" w="9525">
                   <a:solidFill>
                     <a:srgbClr val="000000"/>
                   </a:solidFill>
@@ -4425,7 +4425,7 @@
             </a:ln>
             <a:extLst>
               <a:ext uri="{91240B29-F687-4f45-9708-019B960494DF}">
-                <a14:hiddenLine xmlns="" xmlns:a14="http://schemas.microsoft.com/office/drawing/2010/main" w="9525">
+                <a14:hiddenLine xmlns:a14="http://schemas.microsoft.com/office/drawing/2010/main" xmlns="" w="9525">
                   <a:solidFill>
                     <a:srgbClr val="000000"/>
                   </a:solidFill>
@@ -4545,7 +4545,7 @@
             </a:ln>
             <a:extLst>
               <a:ext uri="{91240B29-F687-4f45-9708-019B960494DF}">
-                <a14:hiddenLine xmlns="" xmlns:a14="http://schemas.microsoft.com/office/drawing/2010/main" w="9525">
+                <a14:hiddenLine xmlns:a14="http://schemas.microsoft.com/office/drawing/2010/main" xmlns="" w="9525">
                   <a:solidFill>
                     <a:srgbClr val="000000"/>
                   </a:solidFill>
@@ -4613,7 +4613,7 @@
             </a:ln>
             <a:extLst>
               <a:ext uri="{91240B29-F687-4f45-9708-019B960494DF}">
-                <a14:hiddenLine xmlns="" xmlns:a14="http://schemas.microsoft.com/office/drawing/2010/main" w="9525">
+                <a14:hiddenLine xmlns:a14="http://schemas.microsoft.com/office/drawing/2010/main" xmlns="" w="9525">
                   <a:solidFill>
                     <a:srgbClr val="000000"/>
                   </a:solidFill>
@@ -4703,7 +4703,7 @@
             </a:ln>
             <a:extLst>
               <a:ext uri="{91240B29-F687-4f45-9708-019B960494DF}">
-                <a14:hiddenLine xmlns="" xmlns:a14="http://schemas.microsoft.com/office/drawing/2010/main" w="9525">
+                <a14:hiddenLine xmlns:a14="http://schemas.microsoft.com/office/drawing/2010/main" xmlns="" w="9525">
                   <a:solidFill>
                     <a:srgbClr val="000000"/>
                   </a:solidFill>
@@ -9432,7 +9432,7 @@
           <a:noFill/>
           <a:extLst>
             <a:ext uri="{909E8E84-426E-40dd-AFC4-6F175D3DCCD1}">
-              <a14:hiddenFill xmlns="" xmlns:a14="http://schemas.microsoft.com/office/drawing/2010/main">
+              <a14:hiddenFill xmlns:a14="http://schemas.microsoft.com/office/drawing/2010/main" xmlns="">
                 <a:solidFill>
                   <a:srgbClr val="FFFFFF"/>
                 </a:solidFill>
@@ -9506,7 +9506,7 @@
               </a:ln>
               <a:extLst>
                 <a:ext uri="{91240B29-F687-4f45-9708-019B960494DF}">
-                  <a14:hiddenLine xmlns="" xmlns:a14="http://schemas.microsoft.com/office/drawing/2010/main" w="9525">
+                  <a14:hiddenLine xmlns:a14="http://schemas.microsoft.com/office/drawing/2010/main" xmlns="" w="9525">
                     <a:solidFill>
                       <a:srgbClr val="000000"/>
                     </a:solidFill>
@@ -9596,7 +9596,7 @@
               </a:ln>
               <a:extLst>
                 <a:ext uri="{91240B29-F687-4f45-9708-019B960494DF}">
-                  <a14:hiddenLine xmlns="" xmlns:a14="http://schemas.microsoft.com/office/drawing/2010/main" w="9525">
+                  <a14:hiddenLine xmlns:a14="http://schemas.microsoft.com/office/drawing/2010/main" xmlns="" w="9525">
                     <a:solidFill>
                       <a:srgbClr val="000000"/>
                     </a:solidFill>
@@ -9686,7 +9686,7 @@
               </a:ln>
               <a:extLst>
                 <a:ext uri="{91240B29-F687-4f45-9708-019B960494DF}">
-                  <a14:hiddenLine xmlns="" xmlns:a14="http://schemas.microsoft.com/office/drawing/2010/main" w="9525">
+                  <a14:hiddenLine xmlns:a14="http://schemas.microsoft.com/office/drawing/2010/main" xmlns="" w="9525">
                     <a:solidFill>
                       <a:srgbClr val="000000"/>
                     </a:solidFill>
@@ -9748,7 +9748,7 @@
               </a:ln>
               <a:extLst>
                 <a:ext uri="{91240B29-F687-4f45-9708-019B960494DF}">
-                  <a14:hiddenLine xmlns="" xmlns:a14="http://schemas.microsoft.com/office/drawing/2010/main" w="9525">
+                  <a14:hiddenLine xmlns:a14="http://schemas.microsoft.com/office/drawing/2010/main" xmlns="" w="9525">
                     <a:solidFill>
                       <a:srgbClr val="000000"/>
                     </a:solidFill>
@@ -9838,7 +9838,7 @@
               </a:ln>
               <a:extLst>
                 <a:ext uri="{91240B29-F687-4f45-9708-019B960494DF}">
-                  <a14:hiddenLine xmlns="" xmlns:a14="http://schemas.microsoft.com/office/drawing/2010/main" w="9525">
+                  <a14:hiddenLine xmlns:a14="http://schemas.microsoft.com/office/drawing/2010/main" xmlns="" w="9525">
                     <a:solidFill>
                       <a:srgbClr val="000000"/>
                     </a:solidFill>
@@ -9900,7 +9900,7 @@
               </a:ln>
               <a:extLst>
                 <a:ext uri="{91240B29-F687-4f45-9708-019B960494DF}">
-                  <a14:hiddenLine xmlns="" xmlns:a14="http://schemas.microsoft.com/office/drawing/2010/main" w="9525">
+                  <a14:hiddenLine xmlns:a14="http://schemas.microsoft.com/office/drawing/2010/main" xmlns="" w="9525">
                     <a:solidFill>
                       <a:srgbClr val="000000"/>
                     </a:solidFill>
@@ -9962,7 +9962,7 @@
               </a:ln>
               <a:extLst>
                 <a:ext uri="{91240B29-F687-4f45-9708-019B960494DF}">
-                  <a14:hiddenLine xmlns="" xmlns:a14="http://schemas.microsoft.com/office/drawing/2010/main" w="9525">
+                  <a14:hiddenLine xmlns:a14="http://schemas.microsoft.com/office/drawing/2010/main" xmlns="" w="9525">
                     <a:solidFill>
                       <a:srgbClr val="000000"/>
                     </a:solidFill>
@@ -10052,7 +10052,7 @@
               </a:ln>
               <a:extLst>
                 <a:ext uri="{91240B29-F687-4f45-9708-019B960494DF}">
-                  <a14:hiddenLine xmlns="" xmlns:a14="http://schemas.microsoft.com/office/drawing/2010/main" w="9525">
+                  <a14:hiddenLine xmlns:a14="http://schemas.microsoft.com/office/drawing/2010/main" xmlns="" w="9525">
                     <a:solidFill>
                       <a:srgbClr val="000000"/>
                     </a:solidFill>
@@ -10142,7 +10142,7 @@
               </a:ln>
               <a:extLst>
                 <a:ext uri="{91240B29-F687-4f45-9708-019B960494DF}">
-                  <a14:hiddenLine xmlns="" xmlns:a14="http://schemas.microsoft.com/office/drawing/2010/main" w="9525">
+                  <a14:hiddenLine xmlns:a14="http://schemas.microsoft.com/office/drawing/2010/main" xmlns="" w="9525">
                     <a:solidFill>
                       <a:srgbClr val="000000"/>
                     </a:solidFill>
@@ -10204,7 +10204,7 @@
               </a:ln>
               <a:extLst>
                 <a:ext uri="{91240B29-F687-4f45-9708-019B960494DF}">
-                  <a14:hiddenLine xmlns="" xmlns:a14="http://schemas.microsoft.com/office/drawing/2010/main" w="9525">
+                  <a14:hiddenLine xmlns:a14="http://schemas.microsoft.com/office/drawing/2010/main" xmlns="" w="9525">
                     <a:solidFill>
                       <a:srgbClr val="000000"/>
                     </a:solidFill>
@@ -10314,7 +10314,7 @@
               </a:ln>
               <a:extLst>
                 <a:ext uri="{91240B29-F687-4f45-9708-019B960494DF}">
-                  <a14:hiddenLine xmlns="" xmlns:a14="http://schemas.microsoft.com/office/drawing/2010/main" w="9525">
+                  <a14:hiddenLine xmlns:a14="http://schemas.microsoft.com/office/drawing/2010/main" xmlns="" w="9525">
                     <a:solidFill>
                       <a:srgbClr val="000000"/>
                     </a:solidFill>
@@ -10398,7 +10398,7 @@
               </a:ln>
               <a:extLst>
                 <a:ext uri="{91240B29-F687-4f45-9708-019B960494DF}">
-                  <a14:hiddenLine xmlns="" xmlns:a14="http://schemas.microsoft.com/office/drawing/2010/main" w="9525">
+                  <a14:hiddenLine xmlns:a14="http://schemas.microsoft.com/office/drawing/2010/main" xmlns="" w="9525">
                     <a:solidFill>
                       <a:srgbClr val="000000"/>
                     </a:solidFill>
@@ -10460,7 +10460,7 @@
               </a:ln>
               <a:extLst>
                 <a:ext uri="{91240B29-F687-4f45-9708-019B960494DF}">
-                  <a14:hiddenLine xmlns="" xmlns:a14="http://schemas.microsoft.com/office/drawing/2010/main" w="9525">
+                  <a14:hiddenLine xmlns:a14="http://schemas.microsoft.com/office/drawing/2010/main" xmlns="" w="9525">
                     <a:solidFill>
                       <a:srgbClr val="000000"/>
                     </a:solidFill>
@@ -10522,7 +10522,7 @@
               </a:ln>
               <a:extLst>
                 <a:ext uri="{91240B29-F687-4f45-9708-019B960494DF}">
-                  <a14:hiddenLine xmlns="" xmlns:a14="http://schemas.microsoft.com/office/drawing/2010/main" w="9525">
+                  <a14:hiddenLine xmlns:a14="http://schemas.microsoft.com/office/drawing/2010/main" xmlns="" w="9525">
                     <a:solidFill>
                       <a:srgbClr val="000000"/>
                     </a:solidFill>
@@ -10612,7 +10612,7 @@
               </a:ln>
               <a:extLst>
                 <a:ext uri="{91240B29-F687-4f45-9708-019B960494DF}">
-                  <a14:hiddenLine xmlns="" xmlns:a14="http://schemas.microsoft.com/office/drawing/2010/main" w="9525">
+                  <a14:hiddenLine xmlns:a14="http://schemas.microsoft.com/office/drawing/2010/main" xmlns="" w="9525">
                     <a:solidFill>
                       <a:srgbClr val="000000"/>
                     </a:solidFill>
@@ -10646,7 +10646,7 @@
               </a:ln>
               <a:extLst>
                 <a:ext uri="{91240B29-F687-4f45-9708-019B960494DF}">
-                  <a14:hiddenLine xmlns="" xmlns:a14="http://schemas.microsoft.com/office/drawing/2010/main" w="9525">
+                  <a14:hiddenLine xmlns:a14="http://schemas.microsoft.com/office/drawing/2010/main" xmlns="" w="9525">
                     <a:solidFill>
                       <a:srgbClr val="000000"/>
                     </a:solidFill>
@@ -10711,7 +10711,7 @@
               </a:ln>
               <a:extLst>
                 <a:ext uri="{91240B29-F687-4f45-9708-019B960494DF}">
-                  <a14:hiddenLine xmlns="" xmlns:a14="http://schemas.microsoft.com/office/drawing/2010/main" w="9525">
+                  <a14:hiddenLine xmlns:a14="http://schemas.microsoft.com/office/drawing/2010/main" xmlns="" w="9525">
                     <a:solidFill>
                       <a:srgbClr val="000000"/>
                     </a:solidFill>
@@ -10801,7 +10801,7 @@
               </a:ln>
               <a:extLst>
                 <a:ext uri="{91240B29-F687-4f45-9708-019B960494DF}">
-                  <a14:hiddenLine xmlns="" xmlns:a14="http://schemas.microsoft.com/office/drawing/2010/main" w="9525">
+                  <a14:hiddenLine xmlns:a14="http://schemas.microsoft.com/office/drawing/2010/main" xmlns="" w="9525">
                     <a:solidFill>
                       <a:srgbClr val="000000"/>
                     </a:solidFill>
@@ -10863,7 +10863,7 @@
               </a:ln>
               <a:extLst>
                 <a:ext uri="{91240B29-F687-4f45-9708-019B960494DF}">
-                  <a14:hiddenLine xmlns="" xmlns:a14="http://schemas.microsoft.com/office/drawing/2010/main" w="9525">
+                  <a14:hiddenLine xmlns:a14="http://schemas.microsoft.com/office/drawing/2010/main" xmlns="" w="9525">
                     <a:solidFill>
                       <a:srgbClr val="000000"/>
                     </a:solidFill>
@@ -10953,7 +10953,7 @@
               </a:ln>
               <a:extLst>
                 <a:ext uri="{91240B29-F687-4f45-9708-019B960494DF}">
-                  <a14:hiddenLine xmlns="" xmlns:a14="http://schemas.microsoft.com/office/drawing/2010/main" w="9525">
+                  <a14:hiddenLine xmlns:a14="http://schemas.microsoft.com/office/drawing/2010/main" xmlns="" w="9525">
                     <a:solidFill>
                       <a:srgbClr val="000000"/>
                     </a:solidFill>
@@ -11018,7 +11018,7 @@
               </a:ln>
               <a:extLst>
                 <a:ext uri="{91240B29-F687-4f45-9708-019B960494DF}">
-                  <a14:hiddenLine xmlns="" xmlns:a14="http://schemas.microsoft.com/office/drawing/2010/main" w="9525">
+                  <a14:hiddenLine xmlns:a14="http://schemas.microsoft.com/office/drawing/2010/main" xmlns="" w="9525">
                     <a:solidFill>
                       <a:srgbClr val="000000"/>
                     </a:solidFill>
@@ -11080,7 +11080,7 @@
               </a:ln>
               <a:extLst>
                 <a:ext uri="{91240B29-F687-4f45-9708-019B960494DF}">
-                  <a14:hiddenLine xmlns="" xmlns:a14="http://schemas.microsoft.com/office/drawing/2010/main" w="9525">
+                  <a14:hiddenLine xmlns:a14="http://schemas.microsoft.com/office/drawing/2010/main" xmlns="" w="9525">
                     <a:solidFill>
                       <a:srgbClr val="000000"/>
                     </a:solidFill>
@@ -11170,7 +11170,7 @@
               </a:ln>
               <a:extLst>
                 <a:ext uri="{91240B29-F687-4f45-9708-019B960494DF}">
-                  <a14:hiddenLine xmlns="" xmlns:a14="http://schemas.microsoft.com/office/drawing/2010/main" w="9525">
+                  <a14:hiddenLine xmlns:a14="http://schemas.microsoft.com/office/drawing/2010/main" xmlns="" w="9525">
                     <a:solidFill>
                       <a:srgbClr val="000000"/>
                     </a:solidFill>
@@ -11260,7 +11260,7 @@
               </a:ln>
               <a:extLst>
                 <a:ext uri="{91240B29-F687-4f45-9708-019B960494DF}">
-                  <a14:hiddenLine xmlns="" xmlns:a14="http://schemas.microsoft.com/office/drawing/2010/main" w="9525">
+                  <a14:hiddenLine xmlns:a14="http://schemas.microsoft.com/office/drawing/2010/main" xmlns="" w="9525">
                     <a:solidFill>
                       <a:srgbClr val="000000"/>
                     </a:solidFill>
@@ -11325,7 +11325,7 @@
               </a:ln>
               <a:extLst>
                 <a:ext uri="{91240B29-F687-4f45-9708-019B960494DF}">
-                  <a14:hiddenLine xmlns="" xmlns:a14="http://schemas.microsoft.com/office/drawing/2010/main" w="9525">
+                  <a14:hiddenLine xmlns:a14="http://schemas.microsoft.com/office/drawing/2010/main" xmlns="" w="9525">
                     <a:solidFill>
                       <a:srgbClr val="000000"/>
                     </a:solidFill>
@@ -11445,7 +11445,7 @@
               </a:ln>
               <a:extLst>
                 <a:ext uri="{91240B29-F687-4f45-9708-019B960494DF}">
-                  <a14:hiddenLine xmlns="" xmlns:a14="http://schemas.microsoft.com/office/drawing/2010/main" w="9525">
+                  <a14:hiddenLine xmlns:a14="http://schemas.microsoft.com/office/drawing/2010/main" xmlns="" w="9525">
                     <a:solidFill>
                       <a:srgbClr val="000000"/>
                     </a:solidFill>
@@ -11526,7 +11526,7 @@
               </a:ln>
               <a:extLst>
                 <a:ext uri="{91240B29-F687-4f45-9708-019B960494DF}">
-                  <a14:hiddenLine xmlns="" xmlns:a14="http://schemas.microsoft.com/office/drawing/2010/main" w="9525">
+                  <a14:hiddenLine xmlns:a14="http://schemas.microsoft.com/office/drawing/2010/main" xmlns="" w="9525">
                     <a:solidFill>
                       <a:srgbClr val="000000"/>
                     </a:solidFill>
@@ -11641,7 +11641,7 @@
               </a:ln>
               <a:extLst>
                 <a:ext uri="{91240B29-F687-4f45-9708-019B960494DF}">
-                  <a14:hiddenLine xmlns="" xmlns:a14="http://schemas.microsoft.com/office/drawing/2010/main" w="9525">
+                  <a14:hiddenLine xmlns:a14="http://schemas.microsoft.com/office/drawing/2010/main" xmlns="" w="9525">
                     <a:solidFill>
                       <a:srgbClr val="000000"/>
                     </a:solidFill>
@@ -11731,7 +11731,7 @@
               </a:ln>
               <a:extLst>
                 <a:ext uri="{91240B29-F687-4f45-9708-019B960494DF}">
-                  <a14:hiddenLine xmlns="" xmlns:a14="http://schemas.microsoft.com/office/drawing/2010/main" w="9525">
+                  <a14:hiddenLine xmlns:a14="http://schemas.microsoft.com/office/drawing/2010/main" xmlns="" w="9525">
                     <a:solidFill>
                       <a:srgbClr val="000000"/>
                     </a:solidFill>
@@ -11796,7 +11796,7 @@
               </a:ln>
               <a:extLst>
                 <a:ext uri="{91240B29-F687-4f45-9708-019B960494DF}">
-                  <a14:hiddenLine xmlns="" xmlns:a14="http://schemas.microsoft.com/office/drawing/2010/main" w="9525">
+                  <a14:hiddenLine xmlns:a14="http://schemas.microsoft.com/office/drawing/2010/main" xmlns="" w="9525">
                     <a:solidFill>
                       <a:srgbClr val="000000"/>
                     </a:solidFill>
@@ -11886,7 +11886,7 @@
               </a:ln>
               <a:extLst>
                 <a:ext uri="{91240B29-F687-4f45-9708-019B960494DF}">
-                  <a14:hiddenLine xmlns="" xmlns:a14="http://schemas.microsoft.com/office/drawing/2010/main" w="9525">
+                  <a14:hiddenLine xmlns:a14="http://schemas.microsoft.com/office/drawing/2010/main" xmlns="" w="9525">
                     <a:solidFill>
                       <a:srgbClr val="000000"/>
                     </a:solidFill>
@@ -11954,7 +11954,7 @@
               </a:ln>
               <a:extLst>
                 <a:ext uri="{91240B29-F687-4f45-9708-019B960494DF}">
-                  <a14:hiddenLine xmlns="" xmlns:a14="http://schemas.microsoft.com/office/drawing/2010/main" w="9525">
+                  <a14:hiddenLine xmlns:a14="http://schemas.microsoft.com/office/drawing/2010/main" xmlns="" w="9525">
                     <a:solidFill>
                       <a:srgbClr val="000000"/>
                     </a:solidFill>
@@ -12044,7 +12044,7 @@
               </a:ln>
               <a:extLst>
                 <a:ext uri="{91240B29-F687-4f45-9708-019B960494DF}">
-                  <a14:hiddenLine xmlns="" xmlns:a14="http://schemas.microsoft.com/office/drawing/2010/main" w="9525">
+                  <a14:hiddenLine xmlns:a14="http://schemas.microsoft.com/office/drawing/2010/main" xmlns="" w="9525">
                     <a:solidFill>
                       <a:srgbClr val="000000"/>
                     </a:solidFill>
@@ -12112,7 +12112,7 @@
               </a:ln>
               <a:extLst>
                 <a:ext uri="{91240B29-F687-4f45-9708-019B960494DF}">
-                  <a14:hiddenLine xmlns="" xmlns:a14="http://schemas.microsoft.com/office/drawing/2010/main" w="9525">
+                  <a14:hiddenLine xmlns:a14="http://schemas.microsoft.com/office/drawing/2010/main" xmlns="" w="9525">
                     <a:solidFill>
                       <a:srgbClr val="000000"/>
                     </a:solidFill>
@@ -12202,7 +12202,7 @@
               </a:ln>
               <a:extLst>
                 <a:ext uri="{91240B29-F687-4f45-9708-019B960494DF}">
-                  <a14:hiddenLine xmlns="" xmlns:a14="http://schemas.microsoft.com/office/drawing/2010/main" w="9525">
+                  <a14:hiddenLine xmlns:a14="http://schemas.microsoft.com/office/drawing/2010/main" xmlns="" w="9525">
                     <a:solidFill>
                       <a:srgbClr val="000000"/>
                     </a:solidFill>
@@ -12236,7 +12236,7 @@
               </a:ln>
               <a:extLst>
                 <a:ext uri="{91240B29-F687-4f45-9708-019B960494DF}">
-                  <a14:hiddenLine xmlns="" xmlns:a14="http://schemas.microsoft.com/office/drawing/2010/main" w="9525">
+                  <a14:hiddenLine xmlns:a14="http://schemas.microsoft.com/office/drawing/2010/main" xmlns="" w="9525">
                     <a:solidFill>
                       <a:srgbClr val="000000"/>
                     </a:solidFill>
@@ -12940,11 +12940,7 @@
           <a:p>
             <a:r>
               <a:rPr lang="en-US" dirty="0" smtClean="0"/>
-              <a:t>*</a:t>
-            </a:r>
-            <a:r>
-              <a:rPr lang="en-US" dirty="0" err="1" smtClean="0"/>
-              <a:t>printVars</a:t>
+              <a:t>*vector3D</a:t>
             </a:r>
             <a:endParaRPr lang="fr-FR" dirty="0"/>
           </a:p>
@@ -12967,13 +12963,13 @@
           <a:p>
             <a:r>
               <a:rPr lang="en-US" dirty="0" smtClean="0"/>
-              <a:t>Prints global variables as a dictionary </a:t>
+              <a:t>Used Python Closures with lambdas to create a vector object and store class attributes.</a:t>
             </a:r>
           </a:p>
           <a:p>
             <a:r>
               <a:rPr lang="en-US" dirty="0" smtClean="0"/>
-              <a:t>(Line 99)</a:t>
+              <a:t>(Line 186)</a:t>
             </a:r>
             <a:endParaRPr lang="fr-FR" dirty="0"/>
           </a:p>
@@ -12982,7 +12978,7 @@
     </p:spTree>
     <p:extLst>
       <p:ext uri="{BB962C8B-B14F-4D97-AF65-F5344CB8AC3E}">
-        <p14:creationId xmlns:p14="http://schemas.microsoft.com/office/powerpoint/2010/main" val="292608976"/>
+        <p14:creationId xmlns:p14="http://schemas.microsoft.com/office/powerpoint/2010/main" val="3767085499"/>
       </p:ext>
     </p:extLst>
   </p:cSld>
@@ -15915,11 +15911,7 @@
           <a:p>
             <a:r>
               <a:rPr lang="en-US" dirty="0" smtClean="0"/>
-              <a:t>(Line </a:t>
-            </a:r>
-            <a:r>
-              <a:rPr lang="en-US" dirty="0" smtClean="0"/>
-              <a:t>147)</a:t>
+              <a:t>(Line 147)</a:t>
             </a:r>
             <a:endParaRPr lang="fr-FR" dirty="0"/>
           </a:p>
@@ -16151,7 +16143,11 @@
           <a:p>
             <a:r>
               <a:rPr lang="en-US" dirty="0" smtClean="0"/>
-              <a:t>*vector3D</a:t>
+              <a:t>*</a:t>
+            </a:r>
+            <a:r>
+              <a:rPr lang="en-US" dirty="0" err="1" smtClean="0"/>
+              <a:t>printVars</a:t>
             </a:r>
             <a:endParaRPr lang="fr-FR" dirty="0"/>
           </a:p>
@@ -16174,13 +16170,13 @@
           <a:p>
             <a:r>
               <a:rPr lang="en-US" dirty="0" smtClean="0"/>
-              <a:t>Used Python Closures with lambdas to create a vector object and store class attributes.</a:t>
+              <a:t>Prints global variables as a dictionary </a:t>
             </a:r>
           </a:p>
           <a:p>
             <a:r>
               <a:rPr lang="en-US" dirty="0" smtClean="0"/>
-              <a:t>(Line 186)</a:t>
+              <a:t>(Line 99)</a:t>
             </a:r>
             <a:endParaRPr lang="fr-FR" dirty="0"/>
           </a:p>
@@ -16189,7 +16185,7 @@
     </p:spTree>
     <p:extLst>
       <p:ext uri="{BB962C8B-B14F-4D97-AF65-F5344CB8AC3E}">
-        <p14:creationId xmlns:p14="http://schemas.microsoft.com/office/powerpoint/2010/main" val="3767085499"/>
+        <p14:creationId xmlns:p14="http://schemas.microsoft.com/office/powerpoint/2010/main" val="292608976"/>
       </p:ext>
     </p:extLst>
   </p:cSld>
